--- a/プレゼン資料.pptx
+++ b/プレゼン資料.pptx
@@ -9,6 +9,9 @@
     <p:sldId id="257" r:id="rId38"/>
     <p:sldId id="258" r:id="rId39"/>
     <p:sldId id="259" r:id="rId40"/>
+    <p:sldId id="260" r:id="rId41"/>
+    <p:sldId id="261" r:id="rId42"/>
+    <p:sldId id="262" r:id="rId43"/>
   </p:sldIdLst>
   <p:sldSz cx="18288000" cy="10287000"/>
   <p:notesSz cx="6858000" cy="9144000"/>
@@ -4269,8 +4272,8 @@
         </p:nvSpPr>
         <p:spPr>
           <a:xfrm rot="0">
-            <a:off x="2687900" y="2175450"/>
-            <a:ext cx="6039059" cy="1211040"/>
+            <a:off x="2687900" y="2184975"/>
+            <a:ext cx="6039059" cy="1193800"/>
           </a:xfrm>
           <a:prstGeom prst="rect">
             <a:avLst/>
@@ -4284,11 +4287,11 @@
           <a:p>
             <a:pPr>
               <a:lnSpc>
-                <a:spcPts val="9899"/>
+                <a:spcPts val="9799"/>
               </a:lnSpc>
             </a:pPr>
             <a:r>
-              <a:rPr lang="en-US" sz="7071">
+              <a:rPr lang="en-US" sz="6999">
                 <a:solidFill>
                   <a:srgbClr val="191919"/>
                 </a:solidFill>
@@ -4536,8 +4539,8 @@
         </p:nvSpPr>
         <p:spPr>
           <a:xfrm rot="0">
-            <a:off x="2859440" y="992787"/>
-            <a:ext cx="8021630" cy="1211072"/>
+            <a:off x="2859440" y="1002312"/>
+            <a:ext cx="8021630" cy="1193800"/>
           </a:xfrm>
           <a:prstGeom prst="rect">
             <a:avLst/>
@@ -4551,14 +4554,14 @@
           <a:p>
             <a:pPr>
               <a:lnSpc>
-                <a:spcPts val="9898"/>
+                <a:spcPts val="9799"/>
               </a:lnSpc>
               <a:spcBef>
                 <a:spcPct val="0"/>
               </a:spcBef>
             </a:pPr>
             <a:r>
-              <a:rPr lang="en-US" sz="7070">
+              <a:rPr lang="en-US" sz="6999">
                 <a:solidFill>
                   <a:srgbClr val="191919"/>
                 </a:solidFill>
@@ -5832,7 +5835,7 @@
         </p:nvSpPr>
         <p:spPr>
           <a:xfrm flipH="false" flipV="false" rot="0">
-            <a:off x="8011527" y="2254251"/>
+            <a:off x="8167155" y="2145312"/>
             <a:ext cx="9252249" cy="7612300"/>
           </a:xfrm>
           <a:custGeom>
@@ -5850,10 +5853,10 @@
                   <a:pt x="9252249" y="0"/>
                 </a:lnTo>
                 <a:lnTo>
-                  <a:pt x="9252249" y="7612301"/>
+                  <a:pt x="9252249" y="7612300"/>
                 </a:lnTo>
                 <a:lnTo>
-                  <a:pt x="0" y="7612301"/>
+                  <a:pt x="0" y="7612300"/>
                 </a:lnTo>
                 <a:lnTo>
                   <a:pt x="0" y="0"/>
@@ -5966,6 +5969,2867 @@
           </a:p>
         </p:txBody>
       </p:sp>
+    </p:spTree>
+  </p:cSld>
+  <p:clrMapOvr>
+    <a:masterClrMapping/>
+  </p:clrMapOvr>
+</p:sld>
+</file>
+
+<file path=ppt/slides/slide5.xml><?xml version="1.0" encoding="utf-8"?>
+<p:sld xmlns:p="http://schemas.openxmlformats.org/presentationml/2006/main" xmlns:a="http://schemas.openxmlformats.org/drawingml/2006/main" xmlns:r="http://schemas.openxmlformats.org/officeDocument/2006/relationships">
+  <p:cSld>
+    <p:bg>
+      <p:bgPr>
+        <a:solidFill>
+          <a:srgbClr val="FFFFFE"/>
+        </a:solidFill>
+      </p:bgPr>
+    </p:bg>
+    <p:spTree>
+      <p:nvGrpSpPr>
+        <p:cNvPr id="1" name=""/>
+        <p:cNvGrpSpPr/>
+        <p:nvPr/>
+      </p:nvGrpSpPr>
+      <p:grpSpPr>
+        <a:xfrm>
+          <a:off x="0" y="0"/>
+          <a:ext cx="0" cy="0"/>
+          <a:chOff x="0" y="0"/>
+          <a:chExt cx="0" cy="0"/>
+        </a:xfrm>
+      </p:grpSpPr>
+      <p:grpSp>
+        <p:nvGrpSpPr>
+          <p:cNvPr name="Group 2" id="2"/>
+          <p:cNvGrpSpPr/>
+          <p:nvPr/>
+        </p:nvGrpSpPr>
+        <p:grpSpPr>
+          <a:xfrm rot="0">
+            <a:off x="10882580" y="-3503638"/>
+            <a:ext cx="12753441" cy="12753441"/>
+            <a:chOff x="0" y="0"/>
+            <a:chExt cx="812800" cy="812800"/>
+          </a:xfrm>
+        </p:grpSpPr>
+        <p:sp>
+          <p:nvSpPr>
+            <p:cNvPr name="Freeform 3" id="3"/>
+            <p:cNvSpPr/>
+            <p:nvPr/>
+          </p:nvSpPr>
+          <p:spPr>
+            <a:xfrm flipH="false" flipV="false" rot="0">
+              <a:off x="0" y="0"/>
+              <a:ext cx="812800" cy="812800"/>
+            </a:xfrm>
+            <a:custGeom>
+              <a:avLst/>
+              <a:gdLst/>
+              <a:ahLst/>
+              <a:cxnLst/>
+              <a:rect r="r" b="b" t="t" l="l"/>
+              <a:pathLst>
+                <a:path h="812800" w="812800">
+                  <a:moveTo>
+                    <a:pt x="406400" y="0"/>
+                  </a:moveTo>
+                  <a:cubicBezTo>
+                    <a:pt x="181951" y="0"/>
+                    <a:pt x="0" y="181951"/>
+                    <a:pt x="0" y="406400"/>
+                  </a:cubicBezTo>
+                  <a:cubicBezTo>
+                    <a:pt x="0" y="630849"/>
+                    <a:pt x="181951" y="812800"/>
+                    <a:pt x="406400" y="812800"/>
+                  </a:cubicBezTo>
+                  <a:cubicBezTo>
+                    <a:pt x="630849" y="812800"/>
+                    <a:pt x="812800" y="630849"/>
+                    <a:pt x="812800" y="406400"/>
+                  </a:cubicBezTo>
+                  <a:cubicBezTo>
+                    <a:pt x="812800" y="181951"/>
+                    <a:pt x="630849" y="0"/>
+                    <a:pt x="406400" y="0"/>
+                  </a:cubicBezTo>
+                  <a:close/>
+                </a:path>
+              </a:pathLst>
+            </a:custGeom>
+            <a:solidFill>
+              <a:srgbClr val="000000">
+                <a:alpha val="0"/>
+              </a:srgbClr>
+            </a:solidFill>
+            <a:ln w="361950" cap="sq">
+              <a:solidFill>
+                <a:srgbClr val="FD6220">
+                  <a:alpha val="25882"/>
+                </a:srgbClr>
+              </a:solidFill>
+              <a:prstDash val="solid"/>
+              <a:miter/>
+            </a:ln>
+          </p:spPr>
+        </p:sp>
+        <p:sp>
+          <p:nvSpPr>
+            <p:cNvPr name="TextBox 4" id="4"/>
+            <p:cNvSpPr txBox="true"/>
+            <p:nvPr/>
+          </p:nvSpPr>
+          <p:spPr>
+            <a:xfrm>
+              <a:off x="76200" y="47625"/>
+              <a:ext cx="660400" cy="688975"/>
+            </a:xfrm>
+            <a:prstGeom prst="rect">
+              <a:avLst/>
+            </a:prstGeom>
+          </p:spPr>
+          <p:txBody>
+            <a:bodyPr anchor="ctr" rtlCol="false" tIns="50800" lIns="50800" bIns="50800" rIns="50800"/>
+            <a:lstStyle/>
+            <a:p>
+              <a:pPr algn="ctr">
+                <a:lnSpc>
+                  <a:spcPts val="2659"/>
+                </a:lnSpc>
+              </a:pPr>
+            </a:p>
+          </p:txBody>
+        </p:sp>
+      </p:grpSp>
+      <p:grpSp>
+        <p:nvGrpSpPr>
+          <p:cNvPr name="Group 5" id="5"/>
+          <p:cNvGrpSpPr/>
+          <p:nvPr/>
+        </p:nvGrpSpPr>
+        <p:grpSpPr>
+          <a:xfrm rot="0">
+            <a:off x="-1373119" y="-1315898"/>
+            <a:ext cx="3499668" cy="13405540"/>
+            <a:chOff x="0" y="0"/>
+            <a:chExt cx="212191" cy="812800"/>
+          </a:xfrm>
+        </p:grpSpPr>
+        <p:sp>
+          <p:nvSpPr>
+            <p:cNvPr name="Freeform 6" id="6"/>
+            <p:cNvSpPr/>
+            <p:nvPr/>
+          </p:nvSpPr>
+          <p:spPr>
+            <a:xfrm flipH="false" flipV="false" rot="0">
+              <a:off x="0" y="0"/>
+              <a:ext cx="212191" cy="812800"/>
+            </a:xfrm>
+            <a:custGeom>
+              <a:avLst/>
+              <a:gdLst/>
+              <a:ahLst/>
+              <a:cxnLst/>
+              <a:rect r="r" b="b" t="t" l="l"/>
+              <a:pathLst>
+                <a:path h="812800" w="212191">
+                  <a:moveTo>
+                    <a:pt x="106095" y="0"/>
+                  </a:moveTo>
+                  <a:cubicBezTo>
+                    <a:pt x="47500" y="0"/>
+                    <a:pt x="0" y="181951"/>
+                    <a:pt x="0" y="406400"/>
+                  </a:cubicBezTo>
+                  <a:cubicBezTo>
+                    <a:pt x="0" y="630849"/>
+                    <a:pt x="47500" y="812800"/>
+                    <a:pt x="106095" y="812800"/>
+                  </a:cubicBezTo>
+                  <a:cubicBezTo>
+                    <a:pt x="164690" y="812800"/>
+                    <a:pt x="212191" y="630849"/>
+                    <a:pt x="212191" y="406400"/>
+                  </a:cubicBezTo>
+                  <a:cubicBezTo>
+                    <a:pt x="212191" y="181951"/>
+                    <a:pt x="164690" y="0"/>
+                    <a:pt x="106095" y="0"/>
+                  </a:cubicBezTo>
+                  <a:close/>
+                </a:path>
+              </a:pathLst>
+            </a:custGeom>
+            <a:solidFill>
+              <a:srgbClr val="000000">
+                <a:alpha val="0"/>
+              </a:srgbClr>
+            </a:solidFill>
+            <a:ln w="19050" cap="sq">
+              <a:solidFill>
+                <a:srgbClr val="F9232C"/>
+              </a:solidFill>
+              <a:prstDash val="solid"/>
+              <a:miter/>
+            </a:ln>
+          </p:spPr>
+        </p:sp>
+        <p:sp>
+          <p:nvSpPr>
+            <p:cNvPr name="TextBox 7" id="7"/>
+            <p:cNvSpPr txBox="true"/>
+            <p:nvPr/>
+          </p:nvSpPr>
+          <p:spPr>
+            <a:xfrm>
+              <a:off x="19893" y="47625"/>
+              <a:ext cx="172405" cy="688975"/>
+            </a:xfrm>
+            <a:prstGeom prst="rect">
+              <a:avLst/>
+            </a:prstGeom>
+          </p:spPr>
+          <p:txBody>
+            <a:bodyPr anchor="ctr" rtlCol="false" tIns="50800" lIns="50800" bIns="50800" rIns="50800"/>
+            <a:lstStyle/>
+            <a:p>
+              <a:pPr algn="ctr">
+                <a:lnSpc>
+                  <a:spcPts val="2659"/>
+                </a:lnSpc>
+              </a:pPr>
+            </a:p>
+          </p:txBody>
+        </p:sp>
+      </p:grpSp>
+      <p:sp>
+        <p:nvSpPr>
+          <p:cNvPr name="Freeform 8" id="8"/>
+          <p:cNvSpPr/>
+          <p:nvPr/>
+        </p:nvSpPr>
+        <p:spPr>
+          <a:xfrm flipH="false" flipV="false" rot="0">
+            <a:off x="16313420" y="910465"/>
+            <a:ext cx="945880" cy="236470"/>
+          </a:xfrm>
+          <a:custGeom>
+            <a:avLst/>
+            <a:gdLst/>
+            <a:ahLst/>
+            <a:cxnLst/>
+            <a:rect r="r" b="b" t="t" l="l"/>
+            <a:pathLst>
+              <a:path h="236470" w="945880">
+                <a:moveTo>
+                  <a:pt x="0" y="0"/>
+                </a:moveTo>
+                <a:lnTo>
+                  <a:pt x="945880" y="0"/>
+                </a:lnTo>
+                <a:lnTo>
+                  <a:pt x="945880" y="236470"/>
+                </a:lnTo>
+                <a:lnTo>
+                  <a:pt x="0" y="236470"/>
+                </a:lnTo>
+                <a:lnTo>
+                  <a:pt x="0" y="0"/>
+                </a:lnTo>
+                <a:close/>
+              </a:path>
+            </a:pathLst>
+          </a:custGeom>
+          <a:blipFill>
+            <a:blip r:embed="rId2">
+              <a:extLst>
+                <a:ext uri="{96DAC541-7B7A-43D3-8B79-37D633B846F1}">
+                  <asvg:svgBlip xmlns:asvg="http://schemas.microsoft.com/office/drawing/2016/SVG/main" r:embed="rId3"/>
+                </a:ext>
+              </a:extLst>
+            </a:blip>
+            <a:stretch>
+              <a:fillRect l="0" t="0" r="0" b="0"/>
+            </a:stretch>
+          </a:blipFill>
+        </p:spPr>
+      </p:sp>
+      <p:grpSp>
+        <p:nvGrpSpPr>
+          <p:cNvPr name="Group 9" id="9"/>
+          <p:cNvGrpSpPr/>
+          <p:nvPr/>
+        </p:nvGrpSpPr>
+        <p:grpSpPr>
+          <a:xfrm rot="0">
+            <a:off x="951509" y="4428296"/>
+            <a:ext cx="508158" cy="543805"/>
+            <a:chOff x="0" y="0"/>
+            <a:chExt cx="812800" cy="869819"/>
+          </a:xfrm>
+        </p:grpSpPr>
+        <p:sp>
+          <p:nvSpPr>
+            <p:cNvPr name="Freeform 10" id="10"/>
+            <p:cNvSpPr/>
+            <p:nvPr/>
+          </p:nvSpPr>
+          <p:spPr>
+            <a:xfrm flipH="false" flipV="false" rot="0">
+              <a:off x="0" y="0"/>
+              <a:ext cx="812800" cy="869819"/>
+            </a:xfrm>
+            <a:custGeom>
+              <a:avLst/>
+              <a:gdLst/>
+              <a:ahLst/>
+              <a:cxnLst/>
+              <a:rect r="r" b="b" t="t" l="l"/>
+              <a:pathLst>
+                <a:path h="869819" w="812800">
+                  <a:moveTo>
+                    <a:pt x="406400" y="0"/>
+                  </a:moveTo>
+                  <a:cubicBezTo>
+                    <a:pt x="181951" y="0"/>
+                    <a:pt x="0" y="194716"/>
+                    <a:pt x="0" y="434909"/>
+                  </a:cubicBezTo>
+                  <a:cubicBezTo>
+                    <a:pt x="0" y="675103"/>
+                    <a:pt x="181951" y="869819"/>
+                    <a:pt x="406400" y="869819"/>
+                  </a:cubicBezTo>
+                  <a:cubicBezTo>
+                    <a:pt x="630849" y="869819"/>
+                    <a:pt x="812800" y="675103"/>
+                    <a:pt x="812800" y="434909"/>
+                  </a:cubicBezTo>
+                  <a:cubicBezTo>
+                    <a:pt x="812800" y="194716"/>
+                    <a:pt x="630849" y="0"/>
+                    <a:pt x="406400" y="0"/>
+                  </a:cubicBezTo>
+                  <a:close/>
+                </a:path>
+              </a:pathLst>
+            </a:custGeom>
+            <a:solidFill>
+              <a:srgbClr val="FFFEFE"/>
+            </a:solidFill>
+            <a:ln w="9525" cap="sq">
+              <a:solidFill>
+                <a:srgbClr val="FD6220"/>
+              </a:solidFill>
+              <a:prstDash val="solid"/>
+              <a:miter/>
+            </a:ln>
+          </p:spPr>
+        </p:sp>
+        <p:sp>
+          <p:nvSpPr>
+            <p:cNvPr name="TextBox 11" id="11"/>
+            <p:cNvSpPr txBox="true"/>
+            <p:nvPr/>
+          </p:nvSpPr>
+          <p:spPr>
+            <a:xfrm>
+              <a:off x="76200" y="52970"/>
+              <a:ext cx="660400" cy="735303"/>
+            </a:xfrm>
+            <a:prstGeom prst="rect">
+              <a:avLst/>
+            </a:prstGeom>
+          </p:spPr>
+          <p:txBody>
+            <a:bodyPr anchor="ctr" rtlCol="false" tIns="50800" lIns="50800" bIns="50800" rIns="50800"/>
+            <a:lstStyle/>
+            <a:p>
+              <a:pPr algn="ctr">
+                <a:lnSpc>
+                  <a:spcPts val="2380"/>
+                </a:lnSpc>
+                <a:spcBef>
+                  <a:spcPct val="0"/>
+                </a:spcBef>
+              </a:pPr>
+              <a:r>
+                <a:rPr lang="en-US" sz="1700">
+                  <a:solidFill>
+                    <a:srgbClr val="191919"/>
+                  </a:solidFill>
+                  <a:latin typeface="Gotham"/>
+                </a:rPr>
+                <a:t>4</a:t>
+              </a:r>
+            </a:p>
+          </p:txBody>
+        </p:sp>
+      </p:grpSp>
+      <p:grpSp>
+        <p:nvGrpSpPr>
+          <p:cNvPr name="Group 12" id="12"/>
+          <p:cNvGrpSpPr/>
+          <p:nvPr/>
+        </p:nvGrpSpPr>
+        <p:grpSpPr>
+          <a:xfrm rot="0">
+            <a:off x="951509" y="3762533"/>
+            <a:ext cx="508158" cy="543805"/>
+            <a:chOff x="0" y="0"/>
+            <a:chExt cx="812800" cy="869819"/>
+          </a:xfrm>
+        </p:grpSpPr>
+        <p:sp>
+          <p:nvSpPr>
+            <p:cNvPr name="Freeform 13" id="13"/>
+            <p:cNvSpPr/>
+            <p:nvPr/>
+          </p:nvSpPr>
+          <p:spPr>
+            <a:xfrm flipH="false" flipV="false" rot="0">
+              <a:off x="0" y="0"/>
+              <a:ext cx="812800" cy="869819"/>
+            </a:xfrm>
+            <a:custGeom>
+              <a:avLst/>
+              <a:gdLst/>
+              <a:ahLst/>
+              <a:cxnLst/>
+              <a:rect r="r" b="b" t="t" l="l"/>
+              <a:pathLst>
+                <a:path h="869819" w="812800">
+                  <a:moveTo>
+                    <a:pt x="406400" y="0"/>
+                  </a:moveTo>
+                  <a:cubicBezTo>
+                    <a:pt x="181951" y="0"/>
+                    <a:pt x="0" y="194716"/>
+                    <a:pt x="0" y="434909"/>
+                  </a:cubicBezTo>
+                  <a:cubicBezTo>
+                    <a:pt x="0" y="675103"/>
+                    <a:pt x="181951" y="869819"/>
+                    <a:pt x="406400" y="869819"/>
+                  </a:cubicBezTo>
+                  <a:cubicBezTo>
+                    <a:pt x="630849" y="869819"/>
+                    <a:pt x="812800" y="675103"/>
+                    <a:pt x="812800" y="434909"/>
+                  </a:cubicBezTo>
+                  <a:cubicBezTo>
+                    <a:pt x="812800" y="194716"/>
+                    <a:pt x="630849" y="0"/>
+                    <a:pt x="406400" y="0"/>
+                  </a:cubicBezTo>
+                  <a:close/>
+                </a:path>
+              </a:pathLst>
+            </a:custGeom>
+            <a:solidFill>
+              <a:srgbClr val="FFFEFE"/>
+            </a:solidFill>
+            <a:ln w="9525" cap="sq">
+              <a:solidFill>
+                <a:srgbClr val="FD6220"/>
+              </a:solidFill>
+              <a:prstDash val="solid"/>
+              <a:miter/>
+            </a:ln>
+          </p:spPr>
+        </p:sp>
+        <p:sp>
+          <p:nvSpPr>
+            <p:cNvPr name="TextBox 14" id="14"/>
+            <p:cNvSpPr txBox="true"/>
+            <p:nvPr/>
+          </p:nvSpPr>
+          <p:spPr>
+            <a:xfrm>
+              <a:off x="76200" y="52970"/>
+              <a:ext cx="660400" cy="735303"/>
+            </a:xfrm>
+            <a:prstGeom prst="rect">
+              <a:avLst/>
+            </a:prstGeom>
+          </p:spPr>
+          <p:txBody>
+            <a:bodyPr anchor="ctr" rtlCol="false" tIns="50800" lIns="50800" bIns="50800" rIns="50800"/>
+            <a:lstStyle/>
+            <a:p>
+              <a:pPr algn="ctr">
+                <a:lnSpc>
+                  <a:spcPts val="2380"/>
+                </a:lnSpc>
+                <a:spcBef>
+                  <a:spcPct val="0"/>
+                </a:spcBef>
+              </a:pPr>
+              <a:r>
+                <a:rPr lang="en-US" sz="1700">
+                  <a:solidFill>
+                    <a:srgbClr val="191919"/>
+                  </a:solidFill>
+                  <a:latin typeface="Gotham"/>
+                </a:rPr>
+                <a:t>3</a:t>
+              </a:r>
+            </a:p>
+          </p:txBody>
+        </p:sp>
+      </p:grpSp>
+      <p:grpSp>
+        <p:nvGrpSpPr>
+          <p:cNvPr name="Group 15" id="15"/>
+          <p:cNvGrpSpPr/>
+          <p:nvPr/>
+        </p:nvGrpSpPr>
+        <p:grpSpPr>
+          <a:xfrm rot="0">
+            <a:off x="709357" y="2646244"/>
+            <a:ext cx="992463" cy="992463"/>
+            <a:chOff x="0" y="0"/>
+            <a:chExt cx="812800" cy="812800"/>
+          </a:xfrm>
+        </p:grpSpPr>
+        <p:sp>
+          <p:nvSpPr>
+            <p:cNvPr name="Freeform 16" id="16"/>
+            <p:cNvSpPr/>
+            <p:nvPr/>
+          </p:nvSpPr>
+          <p:spPr>
+            <a:xfrm flipH="false" flipV="false" rot="0">
+              <a:off x="0" y="0"/>
+              <a:ext cx="812800" cy="812800"/>
+            </a:xfrm>
+            <a:custGeom>
+              <a:avLst/>
+              <a:gdLst/>
+              <a:ahLst/>
+              <a:cxnLst/>
+              <a:rect r="r" b="b" t="t" l="l"/>
+              <a:pathLst>
+                <a:path h="812800" w="812800">
+                  <a:moveTo>
+                    <a:pt x="406400" y="0"/>
+                  </a:moveTo>
+                  <a:cubicBezTo>
+                    <a:pt x="181951" y="0"/>
+                    <a:pt x="0" y="181951"/>
+                    <a:pt x="0" y="406400"/>
+                  </a:cubicBezTo>
+                  <a:cubicBezTo>
+                    <a:pt x="0" y="630849"/>
+                    <a:pt x="181951" y="812800"/>
+                    <a:pt x="406400" y="812800"/>
+                  </a:cubicBezTo>
+                  <a:cubicBezTo>
+                    <a:pt x="630849" y="812800"/>
+                    <a:pt x="812800" y="630849"/>
+                    <a:pt x="812800" y="406400"/>
+                  </a:cubicBezTo>
+                  <a:cubicBezTo>
+                    <a:pt x="812800" y="181951"/>
+                    <a:pt x="630849" y="0"/>
+                    <a:pt x="406400" y="0"/>
+                  </a:cubicBezTo>
+                  <a:close/>
+                </a:path>
+              </a:pathLst>
+            </a:custGeom>
+            <a:solidFill>
+              <a:srgbClr val="FD6220"/>
+            </a:solidFill>
+          </p:spPr>
+        </p:sp>
+        <p:sp>
+          <p:nvSpPr>
+            <p:cNvPr name="TextBox 17" id="17"/>
+            <p:cNvSpPr txBox="true"/>
+            <p:nvPr/>
+          </p:nvSpPr>
+          <p:spPr>
+            <a:xfrm>
+              <a:off x="76200" y="19050"/>
+              <a:ext cx="660400" cy="717550"/>
+            </a:xfrm>
+            <a:prstGeom prst="rect">
+              <a:avLst/>
+            </a:prstGeom>
+          </p:spPr>
+          <p:txBody>
+            <a:bodyPr anchor="ctr" rtlCol="false" tIns="50800" lIns="50800" bIns="50800" rIns="50800"/>
+            <a:lstStyle/>
+            <a:p>
+              <a:pPr algn="ctr">
+                <a:lnSpc>
+                  <a:spcPts val="3779"/>
+                </a:lnSpc>
+                <a:spcBef>
+                  <a:spcPct val="0"/>
+                </a:spcBef>
+              </a:pPr>
+              <a:r>
+                <a:rPr lang="en-US" sz="2699">
+                  <a:solidFill>
+                    <a:srgbClr val="FFFEFE"/>
+                  </a:solidFill>
+                  <a:latin typeface="Gotham"/>
+                </a:rPr>
+                <a:t>2</a:t>
+              </a:r>
+            </a:p>
+          </p:txBody>
+        </p:sp>
+      </p:grpSp>
+      <p:grpSp>
+        <p:nvGrpSpPr>
+          <p:cNvPr name="Group 18" id="18"/>
+          <p:cNvGrpSpPr/>
+          <p:nvPr/>
+        </p:nvGrpSpPr>
+        <p:grpSpPr>
+          <a:xfrm rot="0">
+            <a:off x="951509" y="1980481"/>
+            <a:ext cx="508158" cy="543805"/>
+            <a:chOff x="0" y="0"/>
+            <a:chExt cx="812800" cy="869819"/>
+          </a:xfrm>
+        </p:grpSpPr>
+        <p:sp>
+          <p:nvSpPr>
+            <p:cNvPr name="Freeform 19" id="19"/>
+            <p:cNvSpPr/>
+            <p:nvPr/>
+          </p:nvSpPr>
+          <p:spPr>
+            <a:xfrm flipH="false" flipV="false" rot="0">
+              <a:off x="0" y="0"/>
+              <a:ext cx="812800" cy="869819"/>
+            </a:xfrm>
+            <a:custGeom>
+              <a:avLst/>
+              <a:gdLst/>
+              <a:ahLst/>
+              <a:cxnLst/>
+              <a:rect r="r" b="b" t="t" l="l"/>
+              <a:pathLst>
+                <a:path h="869819" w="812800">
+                  <a:moveTo>
+                    <a:pt x="406400" y="0"/>
+                  </a:moveTo>
+                  <a:cubicBezTo>
+                    <a:pt x="181951" y="0"/>
+                    <a:pt x="0" y="194716"/>
+                    <a:pt x="0" y="434909"/>
+                  </a:cubicBezTo>
+                  <a:cubicBezTo>
+                    <a:pt x="0" y="675103"/>
+                    <a:pt x="181951" y="869819"/>
+                    <a:pt x="406400" y="869819"/>
+                  </a:cubicBezTo>
+                  <a:cubicBezTo>
+                    <a:pt x="630849" y="869819"/>
+                    <a:pt x="812800" y="675103"/>
+                    <a:pt x="812800" y="434909"/>
+                  </a:cubicBezTo>
+                  <a:cubicBezTo>
+                    <a:pt x="812800" y="194716"/>
+                    <a:pt x="630849" y="0"/>
+                    <a:pt x="406400" y="0"/>
+                  </a:cubicBezTo>
+                  <a:close/>
+                </a:path>
+              </a:pathLst>
+            </a:custGeom>
+            <a:solidFill>
+              <a:srgbClr val="FFFEFE"/>
+            </a:solidFill>
+            <a:ln w="9525" cap="sq">
+              <a:solidFill>
+                <a:srgbClr val="FD6220"/>
+              </a:solidFill>
+              <a:prstDash val="solid"/>
+              <a:miter/>
+            </a:ln>
+          </p:spPr>
+        </p:sp>
+        <p:sp>
+          <p:nvSpPr>
+            <p:cNvPr name="TextBox 20" id="20"/>
+            <p:cNvSpPr txBox="true"/>
+            <p:nvPr/>
+          </p:nvSpPr>
+          <p:spPr>
+            <a:xfrm>
+              <a:off x="76200" y="52970"/>
+              <a:ext cx="660400" cy="735303"/>
+            </a:xfrm>
+            <a:prstGeom prst="rect">
+              <a:avLst/>
+            </a:prstGeom>
+          </p:spPr>
+          <p:txBody>
+            <a:bodyPr anchor="ctr" rtlCol="false" tIns="50800" lIns="50800" bIns="50800" rIns="50800"/>
+            <a:lstStyle/>
+            <a:p>
+              <a:pPr algn="ctr">
+                <a:lnSpc>
+                  <a:spcPts val="2380"/>
+                </a:lnSpc>
+                <a:spcBef>
+                  <a:spcPct val="0"/>
+                </a:spcBef>
+              </a:pPr>
+              <a:r>
+                <a:rPr lang="en-US" sz="1700">
+                  <a:solidFill>
+                    <a:srgbClr val="191919"/>
+                  </a:solidFill>
+                  <a:latin typeface="Gotham"/>
+                </a:rPr>
+                <a:t>1</a:t>
+              </a:r>
+            </a:p>
+          </p:txBody>
+        </p:sp>
+      </p:grpSp>
+      <p:sp>
+        <p:nvSpPr>
+          <p:cNvPr name="Freeform 21" id="21"/>
+          <p:cNvSpPr/>
+          <p:nvPr/>
+        </p:nvSpPr>
+        <p:spPr>
+          <a:xfrm flipH="false" flipV="false" rot="0">
+            <a:off x="7821133" y="2524287"/>
+            <a:ext cx="9830548" cy="6503285"/>
+          </a:xfrm>
+          <a:custGeom>
+            <a:avLst/>
+            <a:gdLst/>
+            <a:ahLst/>
+            <a:cxnLst/>
+            <a:rect r="r" b="b" t="t" l="l"/>
+            <a:pathLst>
+              <a:path h="6503285" w="9830548">
+                <a:moveTo>
+                  <a:pt x="0" y="0"/>
+                </a:moveTo>
+                <a:lnTo>
+                  <a:pt x="9830547" y="0"/>
+                </a:lnTo>
+                <a:lnTo>
+                  <a:pt x="9830547" y="6503285"/>
+                </a:lnTo>
+                <a:lnTo>
+                  <a:pt x="0" y="6503285"/>
+                </a:lnTo>
+                <a:lnTo>
+                  <a:pt x="0" y="0"/>
+                </a:lnTo>
+                <a:close/>
+              </a:path>
+            </a:pathLst>
+          </a:custGeom>
+          <a:blipFill>
+            <a:blip r:embed="rId4"/>
+            <a:stretch>
+              <a:fillRect l="0" t="0" r="0" b="0"/>
+            </a:stretch>
+          </a:blipFill>
+        </p:spPr>
+      </p:sp>
+      <p:sp>
+        <p:nvSpPr>
+          <p:cNvPr name="TextBox 22" id="22"/>
+          <p:cNvSpPr txBox="true"/>
+          <p:nvPr/>
+        </p:nvSpPr>
+        <p:spPr>
+          <a:xfrm rot="0">
+            <a:off x="2454458" y="923925"/>
+            <a:ext cx="13695960" cy="887824"/>
+          </a:xfrm>
+          <a:prstGeom prst="rect">
+            <a:avLst/>
+          </a:prstGeom>
+        </p:spPr>
+        <p:txBody>
+          <a:bodyPr anchor="t" rtlCol="false" tIns="0" lIns="0" bIns="0" rIns="0">
+            <a:spAutoFit/>
+          </a:bodyPr>
+          <a:lstStyle/>
+          <a:p>
+            <a:pPr>
+              <a:lnSpc>
+                <a:spcPts val="7239"/>
+              </a:lnSpc>
+            </a:pPr>
+            <a:r>
+              <a:rPr lang="en-US" sz="5171">
+                <a:solidFill>
+                  <a:srgbClr val="191919"/>
+                </a:solidFill>
+                <a:latin typeface="Gotham Bold"/>
+                <a:ea typeface="Gotham Bold"/>
+              </a:rPr>
+              <a:t>②質問ページ（QuestionPage.dart）</a:t>
+            </a:r>
+          </a:p>
+        </p:txBody>
+      </p:sp>
+      <p:sp>
+        <p:nvSpPr>
+          <p:cNvPr name="TextBox 23" id="23"/>
+          <p:cNvSpPr txBox="true"/>
+          <p:nvPr/>
+        </p:nvSpPr>
+        <p:spPr>
+          <a:xfrm rot="0">
+            <a:off x="2581511" y="4718685"/>
+            <a:ext cx="5146245" cy="811530"/>
+          </a:xfrm>
+          <a:prstGeom prst="rect">
+            <a:avLst/>
+          </a:prstGeom>
+        </p:spPr>
+        <p:txBody>
+          <a:bodyPr anchor="t" rtlCol="false" tIns="0" lIns="0" bIns="0" rIns="0">
+            <a:spAutoFit/>
+          </a:bodyPr>
+          <a:lstStyle/>
+          <a:p>
+            <a:pPr>
+              <a:lnSpc>
+                <a:spcPts val="3239"/>
+              </a:lnSpc>
+            </a:pPr>
+            <a:r>
+              <a:rPr lang="en-US" sz="2399" spc="59">
+                <a:solidFill>
+                  <a:srgbClr val="191919"/>
+                </a:solidFill>
+                <a:ea typeface="Gotham"/>
+              </a:rPr>
+              <a:t>・「結果を表示」ボタンを押すと、</a:t>
+            </a:r>
+          </a:p>
+          <a:p>
+            <a:pPr algn="l" marL="0" indent="0" lvl="0">
+              <a:lnSpc>
+                <a:spcPts val="3239"/>
+              </a:lnSpc>
+              <a:spcBef>
+                <a:spcPct val="0"/>
+              </a:spcBef>
+            </a:pPr>
+            <a:r>
+              <a:rPr lang="en-US" sz="2399" spc="59">
+                <a:solidFill>
+                  <a:srgbClr val="191919"/>
+                </a:solidFill>
+                <a:ea typeface="Gotham"/>
+              </a:rPr>
+              <a:t>　③結果ページに遷移する</a:t>
+            </a:r>
+          </a:p>
+        </p:txBody>
+      </p:sp>
+      <p:sp>
+        <p:nvSpPr>
+          <p:cNvPr name="TextBox 24" id="24"/>
+          <p:cNvSpPr txBox="true"/>
+          <p:nvPr/>
+        </p:nvSpPr>
+        <p:spPr>
+          <a:xfrm rot="0">
+            <a:off x="2581511" y="3069262"/>
+            <a:ext cx="5239622" cy="811530"/>
+          </a:xfrm>
+          <a:prstGeom prst="rect">
+            <a:avLst/>
+          </a:prstGeom>
+        </p:spPr>
+        <p:txBody>
+          <a:bodyPr anchor="t" rtlCol="false" tIns="0" lIns="0" bIns="0" rIns="0">
+            <a:spAutoFit/>
+          </a:bodyPr>
+          <a:lstStyle/>
+          <a:p>
+            <a:pPr>
+              <a:lnSpc>
+                <a:spcPts val="3239"/>
+              </a:lnSpc>
+            </a:pPr>
+            <a:r>
+              <a:rPr lang="en-US" sz="2399" spc="59">
+                <a:solidFill>
+                  <a:srgbClr val="191919"/>
+                </a:solidFill>
+                <a:ea typeface="Gotham"/>
+              </a:rPr>
+              <a:t>・ラジオボタンで回答を選択できる</a:t>
+            </a:r>
+          </a:p>
+          <a:p>
+            <a:pPr algn="l" marL="0" indent="0" lvl="0">
+              <a:lnSpc>
+                <a:spcPts val="3239"/>
+              </a:lnSpc>
+              <a:spcBef>
+                <a:spcPct val="0"/>
+              </a:spcBef>
+            </a:pPr>
+          </a:p>
+        </p:txBody>
+      </p:sp>
+    </p:spTree>
+  </p:cSld>
+  <p:clrMapOvr>
+    <a:masterClrMapping/>
+  </p:clrMapOvr>
+</p:sld>
+</file>
+
+<file path=ppt/slides/slide6.xml><?xml version="1.0" encoding="utf-8"?>
+<p:sld xmlns:p="http://schemas.openxmlformats.org/presentationml/2006/main" xmlns:a="http://schemas.openxmlformats.org/drawingml/2006/main" xmlns:r="http://schemas.openxmlformats.org/officeDocument/2006/relationships">
+  <p:cSld>
+    <p:bg>
+      <p:bgPr>
+        <a:solidFill>
+          <a:srgbClr val="FFFFFE"/>
+        </a:solidFill>
+      </p:bgPr>
+    </p:bg>
+    <p:spTree>
+      <p:nvGrpSpPr>
+        <p:cNvPr id="1" name=""/>
+        <p:cNvGrpSpPr/>
+        <p:nvPr/>
+      </p:nvGrpSpPr>
+      <p:grpSpPr>
+        <a:xfrm>
+          <a:off x="0" y="0"/>
+          <a:ext cx="0" cy="0"/>
+          <a:chOff x="0" y="0"/>
+          <a:chExt cx="0" cy="0"/>
+        </a:xfrm>
+      </p:grpSpPr>
+      <p:grpSp>
+        <p:nvGrpSpPr>
+          <p:cNvPr name="Group 2" id="2"/>
+          <p:cNvGrpSpPr/>
+          <p:nvPr/>
+        </p:nvGrpSpPr>
+        <p:grpSpPr>
+          <a:xfrm rot="0">
+            <a:off x="10882580" y="-3503638"/>
+            <a:ext cx="12753441" cy="12753441"/>
+            <a:chOff x="0" y="0"/>
+            <a:chExt cx="812800" cy="812800"/>
+          </a:xfrm>
+        </p:grpSpPr>
+        <p:sp>
+          <p:nvSpPr>
+            <p:cNvPr name="Freeform 3" id="3"/>
+            <p:cNvSpPr/>
+            <p:nvPr/>
+          </p:nvSpPr>
+          <p:spPr>
+            <a:xfrm flipH="false" flipV="false" rot="0">
+              <a:off x="0" y="0"/>
+              <a:ext cx="812800" cy="812800"/>
+            </a:xfrm>
+            <a:custGeom>
+              <a:avLst/>
+              <a:gdLst/>
+              <a:ahLst/>
+              <a:cxnLst/>
+              <a:rect r="r" b="b" t="t" l="l"/>
+              <a:pathLst>
+                <a:path h="812800" w="812800">
+                  <a:moveTo>
+                    <a:pt x="406400" y="0"/>
+                  </a:moveTo>
+                  <a:cubicBezTo>
+                    <a:pt x="181951" y="0"/>
+                    <a:pt x="0" y="181951"/>
+                    <a:pt x="0" y="406400"/>
+                  </a:cubicBezTo>
+                  <a:cubicBezTo>
+                    <a:pt x="0" y="630849"/>
+                    <a:pt x="181951" y="812800"/>
+                    <a:pt x="406400" y="812800"/>
+                  </a:cubicBezTo>
+                  <a:cubicBezTo>
+                    <a:pt x="630849" y="812800"/>
+                    <a:pt x="812800" y="630849"/>
+                    <a:pt x="812800" y="406400"/>
+                  </a:cubicBezTo>
+                  <a:cubicBezTo>
+                    <a:pt x="812800" y="181951"/>
+                    <a:pt x="630849" y="0"/>
+                    <a:pt x="406400" y="0"/>
+                  </a:cubicBezTo>
+                  <a:close/>
+                </a:path>
+              </a:pathLst>
+            </a:custGeom>
+            <a:solidFill>
+              <a:srgbClr val="000000">
+                <a:alpha val="0"/>
+              </a:srgbClr>
+            </a:solidFill>
+            <a:ln w="361950" cap="sq">
+              <a:solidFill>
+                <a:srgbClr val="FD6220">
+                  <a:alpha val="25882"/>
+                </a:srgbClr>
+              </a:solidFill>
+              <a:prstDash val="solid"/>
+              <a:miter/>
+            </a:ln>
+          </p:spPr>
+        </p:sp>
+        <p:sp>
+          <p:nvSpPr>
+            <p:cNvPr name="TextBox 4" id="4"/>
+            <p:cNvSpPr txBox="true"/>
+            <p:nvPr/>
+          </p:nvSpPr>
+          <p:spPr>
+            <a:xfrm>
+              <a:off x="76200" y="47625"/>
+              <a:ext cx="660400" cy="688975"/>
+            </a:xfrm>
+            <a:prstGeom prst="rect">
+              <a:avLst/>
+            </a:prstGeom>
+          </p:spPr>
+          <p:txBody>
+            <a:bodyPr anchor="ctr" rtlCol="false" tIns="50800" lIns="50800" bIns="50800" rIns="50800"/>
+            <a:lstStyle/>
+            <a:p>
+              <a:pPr algn="ctr">
+                <a:lnSpc>
+                  <a:spcPts val="2659"/>
+                </a:lnSpc>
+              </a:pPr>
+            </a:p>
+          </p:txBody>
+        </p:sp>
+      </p:grpSp>
+      <p:grpSp>
+        <p:nvGrpSpPr>
+          <p:cNvPr name="Group 5" id="5"/>
+          <p:cNvGrpSpPr/>
+          <p:nvPr/>
+        </p:nvGrpSpPr>
+        <p:grpSpPr>
+          <a:xfrm rot="0">
+            <a:off x="-1373119" y="-1315898"/>
+            <a:ext cx="3499668" cy="13405540"/>
+            <a:chOff x="0" y="0"/>
+            <a:chExt cx="212191" cy="812800"/>
+          </a:xfrm>
+        </p:grpSpPr>
+        <p:sp>
+          <p:nvSpPr>
+            <p:cNvPr name="Freeform 6" id="6"/>
+            <p:cNvSpPr/>
+            <p:nvPr/>
+          </p:nvSpPr>
+          <p:spPr>
+            <a:xfrm flipH="false" flipV="false" rot="0">
+              <a:off x="0" y="0"/>
+              <a:ext cx="212191" cy="812800"/>
+            </a:xfrm>
+            <a:custGeom>
+              <a:avLst/>
+              <a:gdLst/>
+              <a:ahLst/>
+              <a:cxnLst/>
+              <a:rect r="r" b="b" t="t" l="l"/>
+              <a:pathLst>
+                <a:path h="812800" w="212191">
+                  <a:moveTo>
+                    <a:pt x="106095" y="0"/>
+                  </a:moveTo>
+                  <a:cubicBezTo>
+                    <a:pt x="47500" y="0"/>
+                    <a:pt x="0" y="181951"/>
+                    <a:pt x="0" y="406400"/>
+                  </a:cubicBezTo>
+                  <a:cubicBezTo>
+                    <a:pt x="0" y="630849"/>
+                    <a:pt x="47500" y="812800"/>
+                    <a:pt x="106095" y="812800"/>
+                  </a:cubicBezTo>
+                  <a:cubicBezTo>
+                    <a:pt x="164690" y="812800"/>
+                    <a:pt x="212191" y="630849"/>
+                    <a:pt x="212191" y="406400"/>
+                  </a:cubicBezTo>
+                  <a:cubicBezTo>
+                    <a:pt x="212191" y="181951"/>
+                    <a:pt x="164690" y="0"/>
+                    <a:pt x="106095" y="0"/>
+                  </a:cubicBezTo>
+                  <a:close/>
+                </a:path>
+              </a:pathLst>
+            </a:custGeom>
+            <a:solidFill>
+              <a:srgbClr val="000000">
+                <a:alpha val="0"/>
+              </a:srgbClr>
+            </a:solidFill>
+            <a:ln w="19050" cap="sq">
+              <a:solidFill>
+                <a:srgbClr val="F9232C"/>
+              </a:solidFill>
+              <a:prstDash val="solid"/>
+              <a:miter/>
+            </a:ln>
+          </p:spPr>
+        </p:sp>
+        <p:sp>
+          <p:nvSpPr>
+            <p:cNvPr name="TextBox 7" id="7"/>
+            <p:cNvSpPr txBox="true"/>
+            <p:nvPr/>
+          </p:nvSpPr>
+          <p:spPr>
+            <a:xfrm>
+              <a:off x="19893" y="47625"/>
+              <a:ext cx="172405" cy="688975"/>
+            </a:xfrm>
+            <a:prstGeom prst="rect">
+              <a:avLst/>
+            </a:prstGeom>
+          </p:spPr>
+          <p:txBody>
+            <a:bodyPr anchor="ctr" rtlCol="false" tIns="50800" lIns="50800" bIns="50800" rIns="50800"/>
+            <a:lstStyle/>
+            <a:p>
+              <a:pPr algn="ctr">
+                <a:lnSpc>
+                  <a:spcPts val="2659"/>
+                </a:lnSpc>
+              </a:pPr>
+            </a:p>
+          </p:txBody>
+        </p:sp>
+      </p:grpSp>
+      <p:sp>
+        <p:nvSpPr>
+          <p:cNvPr name="Freeform 8" id="8"/>
+          <p:cNvSpPr/>
+          <p:nvPr/>
+        </p:nvSpPr>
+        <p:spPr>
+          <a:xfrm flipH="false" flipV="false" rot="0">
+            <a:off x="16313420" y="910465"/>
+            <a:ext cx="945880" cy="236470"/>
+          </a:xfrm>
+          <a:custGeom>
+            <a:avLst/>
+            <a:gdLst/>
+            <a:ahLst/>
+            <a:cxnLst/>
+            <a:rect r="r" b="b" t="t" l="l"/>
+            <a:pathLst>
+              <a:path h="236470" w="945880">
+                <a:moveTo>
+                  <a:pt x="0" y="0"/>
+                </a:moveTo>
+                <a:lnTo>
+                  <a:pt x="945880" y="0"/>
+                </a:lnTo>
+                <a:lnTo>
+                  <a:pt x="945880" y="236470"/>
+                </a:lnTo>
+                <a:lnTo>
+                  <a:pt x="0" y="236470"/>
+                </a:lnTo>
+                <a:lnTo>
+                  <a:pt x="0" y="0"/>
+                </a:lnTo>
+                <a:close/>
+              </a:path>
+            </a:pathLst>
+          </a:custGeom>
+          <a:blipFill>
+            <a:blip r:embed="rId2">
+              <a:extLst>
+                <a:ext uri="{96DAC541-7B7A-43D3-8B79-37D633B846F1}">
+                  <asvg:svgBlip xmlns:asvg="http://schemas.microsoft.com/office/drawing/2016/SVG/main" r:embed="rId3"/>
+                </a:ext>
+              </a:extLst>
+            </a:blip>
+            <a:stretch>
+              <a:fillRect l="0" t="0" r="0" b="0"/>
+            </a:stretch>
+          </a:blipFill>
+        </p:spPr>
+      </p:sp>
+      <p:grpSp>
+        <p:nvGrpSpPr>
+          <p:cNvPr name="Group 9" id="9"/>
+          <p:cNvGrpSpPr/>
+          <p:nvPr/>
+        </p:nvGrpSpPr>
+        <p:grpSpPr>
+          <a:xfrm rot="0">
+            <a:off x="951509" y="4428296"/>
+            <a:ext cx="508158" cy="543805"/>
+            <a:chOff x="0" y="0"/>
+            <a:chExt cx="812800" cy="869819"/>
+          </a:xfrm>
+        </p:grpSpPr>
+        <p:sp>
+          <p:nvSpPr>
+            <p:cNvPr name="Freeform 10" id="10"/>
+            <p:cNvSpPr/>
+            <p:nvPr/>
+          </p:nvSpPr>
+          <p:spPr>
+            <a:xfrm flipH="false" flipV="false" rot="0">
+              <a:off x="0" y="0"/>
+              <a:ext cx="812800" cy="869819"/>
+            </a:xfrm>
+            <a:custGeom>
+              <a:avLst/>
+              <a:gdLst/>
+              <a:ahLst/>
+              <a:cxnLst/>
+              <a:rect r="r" b="b" t="t" l="l"/>
+              <a:pathLst>
+                <a:path h="869819" w="812800">
+                  <a:moveTo>
+                    <a:pt x="406400" y="0"/>
+                  </a:moveTo>
+                  <a:cubicBezTo>
+                    <a:pt x="181951" y="0"/>
+                    <a:pt x="0" y="194716"/>
+                    <a:pt x="0" y="434909"/>
+                  </a:cubicBezTo>
+                  <a:cubicBezTo>
+                    <a:pt x="0" y="675103"/>
+                    <a:pt x="181951" y="869819"/>
+                    <a:pt x="406400" y="869819"/>
+                  </a:cubicBezTo>
+                  <a:cubicBezTo>
+                    <a:pt x="630849" y="869819"/>
+                    <a:pt x="812800" y="675103"/>
+                    <a:pt x="812800" y="434909"/>
+                  </a:cubicBezTo>
+                  <a:cubicBezTo>
+                    <a:pt x="812800" y="194716"/>
+                    <a:pt x="630849" y="0"/>
+                    <a:pt x="406400" y="0"/>
+                  </a:cubicBezTo>
+                  <a:close/>
+                </a:path>
+              </a:pathLst>
+            </a:custGeom>
+            <a:solidFill>
+              <a:srgbClr val="FFFEFE"/>
+            </a:solidFill>
+            <a:ln w="9525" cap="sq">
+              <a:solidFill>
+                <a:srgbClr val="FD6220"/>
+              </a:solidFill>
+              <a:prstDash val="solid"/>
+              <a:miter/>
+            </a:ln>
+          </p:spPr>
+        </p:sp>
+        <p:sp>
+          <p:nvSpPr>
+            <p:cNvPr name="TextBox 11" id="11"/>
+            <p:cNvSpPr txBox="true"/>
+            <p:nvPr/>
+          </p:nvSpPr>
+          <p:spPr>
+            <a:xfrm>
+              <a:off x="76200" y="52970"/>
+              <a:ext cx="660400" cy="735303"/>
+            </a:xfrm>
+            <a:prstGeom prst="rect">
+              <a:avLst/>
+            </a:prstGeom>
+          </p:spPr>
+          <p:txBody>
+            <a:bodyPr anchor="ctr" rtlCol="false" tIns="50800" lIns="50800" bIns="50800" rIns="50800"/>
+            <a:lstStyle/>
+            <a:p>
+              <a:pPr algn="ctr">
+                <a:lnSpc>
+                  <a:spcPts val="2380"/>
+                </a:lnSpc>
+                <a:spcBef>
+                  <a:spcPct val="0"/>
+                </a:spcBef>
+              </a:pPr>
+              <a:r>
+                <a:rPr lang="en-US" sz="1700">
+                  <a:solidFill>
+                    <a:srgbClr val="191919"/>
+                  </a:solidFill>
+                  <a:latin typeface="Gotham"/>
+                </a:rPr>
+                <a:t>4</a:t>
+              </a:r>
+            </a:p>
+          </p:txBody>
+        </p:sp>
+      </p:grpSp>
+      <p:grpSp>
+        <p:nvGrpSpPr>
+          <p:cNvPr name="Group 12" id="12"/>
+          <p:cNvGrpSpPr/>
+          <p:nvPr/>
+        </p:nvGrpSpPr>
+        <p:grpSpPr>
+          <a:xfrm rot="0">
+            <a:off x="951509" y="1980481"/>
+            <a:ext cx="508158" cy="543805"/>
+            <a:chOff x="0" y="0"/>
+            <a:chExt cx="812800" cy="869819"/>
+          </a:xfrm>
+        </p:grpSpPr>
+        <p:sp>
+          <p:nvSpPr>
+            <p:cNvPr name="Freeform 13" id="13"/>
+            <p:cNvSpPr/>
+            <p:nvPr/>
+          </p:nvSpPr>
+          <p:spPr>
+            <a:xfrm flipH="false" flipV="false" rot="0">
+              <a:off x="0" y="0"/>
+              <a:ext cx="812800" cy="869819"/>
+            </a:xfrm>
+            <a:custGeom>
+              <a:avLst/>
+              <a:gdLst/>
+              <a:ahLst/>
+              <a:cxnLst/>
+              <a:rect r="r" b="b" t="t" l="l"/>
+              <a:pathLst>
+                <a:path h="869819" w="812800">
+                  <a:moveTo>
+                    <a:pt x="406400" y="0"/>
+                  </a:moveTo>
+                  <a:cubicBezTo>
+                    <a:pt x="181951" y="0"/>
+                    <a:pt x="0" y="194716"/>
+                    <a:pt x="0" y="434909"/>
+                  </a:cubicBezTo>
+                  <a:cubicBezTo>
+                    <a:pt x="0" y="675103"/>
+                    <a:pt x="181951" y="869819"/>
+                    <a:pt x="406400" y="869819"/>
+                  </a:cubicBezTo>
+                  <a:cubicBezTo>
+                    <a:pt x="630849" y="869819"/>
+                    <a:pt x="812800" y="675103"/>
+                    <a:pt x="812800" y="434909"/>
+                  </a:cubicBezTo>
+                  <a:cubicBezTo>
+                    <a:pt x="812800" y="194716"/>
+                    <a:pt x="630849" y="0"/>
+                    <a:pt x="406400" y="0"/>
+                  </a:cubicBezTo>
+                  <a:close/>
+                </a:path>
+              </a:pathLst>
+            </a:custGeom>
+            <a:solidFill>
+              <a:srgbClr val="FFFEFE"/>
+            </a:solidFill>
+            <a:ln w="9525" cap="sq">
+              <a:solidFill>
+                <a:srgbClr val="FD6220"/>
+              </a:solidFill>
+              <a:prstDash val="solid"/>
+              <a:miter/>
+            </a:ln>
+          </p:spPr>
+        </p:sp>
+        <p:sp>
+          <p:nvSpPr>
+            <p:cNvPr name="TextBox 14" id="14"/>
+            <p:cNvSpPr txBox="true"/>
+            <p:nvPr/>
+          </p:nvSpPr>
+          <p:spPr>
+            <a:xfrm>
+              <a:off x="76200" y="52970"/>
+              <a:ext cx="660400" cy="735303"/>
+            </a:xfrm>
+            <a:prstGeom prst="rect">
+              <a:avLst/>
+            </a:prstGeom>
+          </p:spPr>
+          <p:txBody>
+            <a:bodyPr anchor="ctr" rtlCol="false" tIns="50800" lIns="50800" bIns="50800" rIns="50800"/>
+            <a:lstStyle/>
+            <a:p>
+              <a:pPr algn="ctr">
+                <a:lnSpc>
+                  <a:spcPts val="2380"/>
+                </a:lnSpc>
+                <a:spcBef>
+                  <a:spcPct val="0"/>
+                </a:spcBef>
+              </a:pPr>
+              <a:r>
+                <a:rPr lang="en-US" sz="1700">
+                  <a:solidFill>
+                    <a:srgbClr val="191919"/>
+                  </a:solidFill>
+                  <a:latin typeface="Gotham"/>
+                </a:rPr>
+                <a:t>1</a:t>
+              </a:r>
+            </a:p>
+          </p:txBody>
+        </p:sp>
+      </p:grpSp>
+      <p:sp>
+        <p:nvSpPr>
+          <p:cNvPr name="Freeform 15" id="15"/>
+          <p:cNvSpPr/>
+          <p:nvPr/>
+        </p:nvSpPr>
+        <p:spPr>
+          <a:xfrm flipH="false" flipV="false" rot="0">
+            <a:off x="9474309" y="2252384"/>
+            <a:ext cx="7784991" cy="7442005"/>
+          </a:xfrm>
+          <a:custGeom>
+            <a:avLst/>
+            <a:gdLst/>
+            <a:ahLst/>
+            <a:cxnLst/>
+            <a:rect r="r" b="b" t="t" l="l"/>
+            <a:pathLst>
+              <a:path h="7442005" w="7784991">
+                <a:moveTo>
+                  <a:pt x="0" y="0"/>
+                </a:moveTo>
+                <a:lnTo>
+                  <a:pt x="7784991" y="0"/>
+                </a:lnTo>
+                <a:lnTo>
+                  <a:pt x="7784991" y="7442005"/>
+                </a:lnTo>
+                <a:lnTo>
+                  <a:pt x="0" y="7442005"/>
+                </a:lnTo>
+                <a:lnTo>
+                  <a:pt x="0" y="0"/>
+                </a:lnTo>
+                <a:close/>
+              </a:path>
+            </a:pathLst>
+          </a:custGeom>
+          <a:blipFill>
+            <a:blip r:embed="rId4"/>
+            <a:stretch>
+              <a:fillRect l="0" t="0" r="0" b="0"/>
+            </a:stretch>
+          </a:blipFill>
+        </p:spPr>
+      </p:sp>
+      <p:sp>
+        <p:nvSpPr>
+          <p:cNvPr name="TextBox 16" id="16"/>
+          <p:cNvSpPr txBox="true"/>
+          <p:nvPr/>
+        </p:nvSpPr>
+        <p:spPr>
+          <a:xfrm rot="0">
+            <a:off x="2454458" y="923925"/>
+            <a:ext cx="13695960" cy="887824"/>
+          </a:xfrm>
+          <a:prstGeom prst="rect">
+            <a:avLst/>
+          </a:prstGeom>
+        </p:spPr>
+        <p:txBody>
+          <a:bodyPr anchor="t" rtlCol="false" tIns="0" lIns="0" bIns="0" rIns="0">
+            <a:spAutoFit/>
+          </a:bodyPr>
+          <a:lstStyle/>
+          <a:p>
+            <a:pPr>
+              <a:lnSpc>
+                <a:spcPts val="7239"/>
+              </a:lnSpc>
+            </a:pPr>
+            <a:r>
+              <a:rPr lang="en-US" sz="5171">
+                <a:solidFill>
+                  <a:srgbClr val="191919"/>
+                </a:solidFill>
+                <a:latin typeface="Gotham Bold"/>
+                <a:ea typeface="Gotham Bold"/>
+              </a:rPr>
+              <a:t>③結果ページ（ResultPage.dart）</a:t>
+            </a:r>
+          </a:p>
+        </p:txBody>
+      </p:sp>
+      <p:sp>
+        <p:nvSpPr>
+          <p:cNvPr name="TextBox 17" id="17"/>
+          <p:cNvSpPr txBox="true"/>
+          <p:nvPr/>
+        </p:nvSpPr>
+        <p:spPr>
+          <a:xfrm rot="0">
+            <a:off x="2581511" y="5105400"/>
+            <a:ext cx="5675380" cy="811530"/>
+          </a:xfrm>
+          <a:prstGeom prst="rect">
+            <a:avLst/>
+          </a:prstGeom>
+        </p:spPr>
+        <p:txBody>
+          <a:bodyPr anchor="t" rtlCol="false" tIns="0" lIns="0" bIns="0" rIns="0">
+            <a:spAutoFit/>
+          </a:bodyPr>
+          <a:lstStyle/>
+          <a:p>
+            <a:pPr>
+              <a:lnSpc>
+                <a:spcPts val="3239"/>
+              </a:lnSpc>
+            </a:pPr>
+            <a:r>
+              <a:rPr lang="en-US" sz="2399" spc="59">
+                <a:solidFill>
+                  <a:srgbClr val="191919"/>
+                </a:solidFill>
+                <a:ea typeface="Gotham"/>
+              </a:rPr>
+              <a:t>・「他のお菓子タイプを見る」ボタンを　</a:t>
+            </a:r>
+          </a:p>
+          <a:p>
+            <a:pPr algn="l" marL="0" indent="0" lvl="0">
+              <a:lnSpc>
+                <a:spcPts val="3239"/>
+              </a:lnSpc>
+              <a:spcBef>
+                <a:spcPct val="0"/>
+              </a:spcBef>
+            </a:pPr>
+            <a:r>
+              <a:rPr lang="en-US" sz="2399" spc="59">
+                <a:solidFill>
+                  <a:srgbClr val="191919"/>
+                </a:solidFill>
+                <a:ea typeface="Gotham"/>
+              </a:rPr>
+              <a:t>　押すと、④結果一覧ページに遷移する</a:t>
+            </a:r>
+          </a:p>
+        </p:txBody>
+      </p:sp>
+      <p:sp>
+        <p:nvSpPr>
+          <p:cNvPr name="TextBox 18" id="18"/>
+          <p:cNvSpPr txBox="true"/>
+          <p:nvPr/>
+        </p:nvSpPr>
+        <p:spPr>
+          <a:xfrm rot="0">
+            <a:off x="2581511" y="3069262"/>
+            <a:ext cx="5410813" cy="1221105"/>
+          </a:xfrm>
+          <a:prstGeom prst="rect">
+            <a:avLst/>
+          </a:prstGeom>
+        </p:spPr>
+        <p:txBody>
+          <a:bodyPr anchor="t" rtlCol="false" tIns="0" lIns="0" bIns="0" rIns="0">
+            <a:spAutoFit/>
+          </a:bodyPr>
+          <a:lstStyle/>
+          <a:p>
+            <a:pPr>
+              <a:lnSpc>
+                <a:spcPts val="3239"/>
+              </a:lnSpc>
+            </a:pPr>
+            <a:r>
+              <a:rPr lang="en-US" sz="2399" spc="59">
+                <a:solidFill>
+                  <a:srgbClr val="191919"/>
+                </a:solidFill>
+                <a:ea typeface="Gotham"/>
+              </a:rPr>
+              <a:t>・このページに遷移する度、ランダム</a:t>
+            </a:r>
+          </a:p>
+          <a:p>
+            <a:pPr>
+              <a:lnSpc>
+                <a:spcPts val="3239"/>
+              </a:lnSpc>
+            </a:pPr>
+            <a:r>
+              <a:rPr lang="en-US" sz="2399" spc="59">
+                <a:solidFill>
+                  <a:srgbClr val="191919"/>
+                </a:solidFill>
+                <a:ea typeface="Gotham"/>
+              </a:rPr>
+              <a:t>　な結果が表示される</a:t>
+            </a:r>
+          </a:p>
+          <a:p>
+            <a:pPr algn="l" marL="0" indent="0" lvl="0">
+              <a:lnSpc>
+                <a:spcPts val="3239"/>
+              </a:lnSpc>
+              <a:spcBef>
+                <a:spcPct val="0"/>
+              </a:spcBef>
+            </a:pPr>
+            <a:r>
+              <a:rPr lang="en-US" sz="2399" spc="59">
+                <a:solidFill>
+                  <a:srgbClr val="191919"/>
+                </a:solidFill>
+                <a:ea typeface="Gotham"/>
+              </a:rPr>
+              <a:t>（モックのためこの仕様）</a:t>
+            </a:r>
+          </a:p>
+        </p:txBody>
+      </p:sp>
+      <p:grpSp>
+        <p:nvGrpSpPr>
+          <p:cNvPr name="Group 19" id="19"/>
+          <p:cNvGrpSpPr/>
+          <p:nvPr/>
+        </p:nvGrpSpPr>
+        <p:grpSpPr>
+          <a:xfrm rot="0">
+            <a:off x="709357" y="3315742"/>
+            <a:ext cx="992463" cy="992463"/>
+            <a:chOff x="0" y="0"/>
+            <a:chExt cx="812800" cy="812800"/>
+          </a:xfrm>
+        </p:grpSpPr>
+        <p:sp>
+          <p:nvSpPr>
+            <p:cNvPr name="Freeform 20" id="20"/>
+            <p:cNvSpPr/>
+            <p:nvPr/>
+          </p:nvSpPr>
+          <p:spPr>
+            <a:xfrm flipH="false" flipV="false" rot="0">
+              <a:off x="0" y="0"/>
+              <a:ext cx="812800" cy="812800"/>
+            </a:xfrm>
+            <a:custGeom>
+              <a:avLst/>
+              <a:gdLst/>
+              <a:ahLst/>
+              <a:cxnLst/>
+              <a:rect r="r" b="b" t="t" l="l"/>
+              <a:pathLst>
+                <a:path h="812800" w="812800">
+                  <a:moveTo>
+                    <a:pt x="406400" y="0"/>
+                  </a:moveTo>
+                  <a:cubicBezTo>
+                    <a:pt x="181951" y="0"/>
+                    <a:pt x="0" y="181951"/>
+                    <a:pt x="0" y="406400"/>
+                  </a:cubicBezTo>
+                  <a:cubicBezTo>
+                    <a:pt x="0" y="630849"/>
+                    <a:pt x="181951" y="812800"/>
+                    <a:pt x="406400" y="812800"/>
+                  </a:cubicBezTo>
+                  <a:cubicBezTo>
+                    <a:pt x="630849" y="812800"/>
+                    <a:pt x="812800" y="630849"/>
+                    <a:pt x="812800" y="406400"/>
+                  </a:cubicBezTo>
+                  <a:cubicBezTo>
+                    <a:pt x="812800" y="181951"/>
+                    <a:pt x="630849" y="0"/>
+                    <a:pt x="406400" y="0"/>
+                  </a:cubicBezTo>
+                  <a:close/>
+                </a:path>
+              </a:pathLst>
+            </a:custGeom>
+            <a:solidFill>
+              <a:srgbClr val="FD6220"/>
+            </a:solidFill>
+          </p:spPr>
+        </p:sp>
+        <p:sp>
+          <p:nvSpPr>
+            <p:cNvPr name="TextBox 21" id="21"/>
+            <p:cNvSpPr txBox="true"/>
+            <p:nvPr/>
+          </p:nvSpPr>
+          <p:spPr>
+            <a:xfrm>
+              <a:off x="76200" y="19050"/>
+              <a:ext cx="660400" cy="717550"/>
+            </a:xfrm>
+            <a:prstGeom prst="rect">
+              <a:avLst/>
+            </a:prstGeom>
+          </p:spPr>
+          <p:txBody>
+            <a:bodyPr anchor="ctr" rtlCol="false" tIns="50800" lIns="50800" bIns="50800" rIns="50800"/>
+            <a:lstStyle/>
+            <a:p>
+              <a:pPr algn="ctr">
+                <a:lnSpc>
+                  <a:spcPts val="3779"/>
+                </a:lnSpc>
+                <a:spcBef>
+                  <a:spcPct val="0"/>
+                </a:spcBef>
+              </a:pPr>
+              <a:r>
+                <a:rPr lang="en-US" sz="2699">
+                  <a:solidFill>
+                    <a:srgbClr val="FFFEFE"/>
+                  </a:solidFill>
+                  <a:latin typeface="Gotham"/>
+                </a:rPr>
+                <a:t>3</a:t>
+              </a:r>
+            </a:p>
+          </p:txBody>
+        </p:sp>
+      </p:grpSp>
+      <p:grpSp>
+        <p:nvGrpSpPr>
+          <p:cNvPr name="Group 22" id="22"/>
+          <p:cNvGrpSpPr/>
+          <p:nvPr/>
+        </p:nvGrpSpPr>
+        <p:grpSpPr>
+          <a:xfrm rot="0">
+            <a:off x="951509" y="2648112"/>
+            <a:ext cx="508158" cy="543805"/>
+            <a:chOff x="0" y="0"/>
+            <a:chExt cx="812800" cy="869819"/>
+          </a:xfrm>
+        </p:grpSpPr>
+        <p:sp>
+          <p:nvSpPr>
+            <p:cNvPr name="Freeform 23" id="23"/>
+            <p:cNvSpPr/>
+            <p:nvPr/>
+          </p:nvSpPr>
+          <p:spPr>
+            <a:xfrm flipH="false" flipV="false" rot="0">
+              <a:off x="0" y="0"/>
+              <a:ext cx="812800" cy="869819"/>
+            </a:xfrm>
+            <a:custGeom>
+              <a:avLst/>
+              <a:gdLst/>
+              <a:ahLst/>
+              <a:cxnLst/>
+              <a:rect r="r" b="b" t="t" l="l"/>
+              <a:pathLst>
+                <a:path h="869819" w="812800">
+                  <a:moveTo>
+                    <a:pt x="406400" y="0"/>
+                  </a:moveTo>
+                  <a:cubicBezTo>
+                    <a:pt x="181951" y="0"/>
+                    <a:pt x="0" y="194716"/>
+                    <a:pt x="0" y="434909"/>
+                  </a:cubicBezTo>
+                  <a:cubicBezTo>
+                    <a:pt x="0" y="675103"/>
+                    <a:pt x="181951" y="869819"/>
+                    <a:pt x="406400" y="869819"/>
+                  </a:cubicBezTo>
+                  <a:cubicBezTo>
+                    <a:pt x="630849" y="869819"/>
+                    <a:pt x="812800" y="675103"/>
+                    <a:pt x="812800" y="434909"/>
+                  </a:cubicBezTo>
+                  <a:cubicBezTo>
+                    <a:pt x="812800" y="194716"/>
+                    <a:pt x="630849" y="0"/>
+                    <a:pt x="406400" y="0"/>
+                  </a:cubicBezTo>
+                  <a:close/>
+                </a:path>
+              </a:pathLst>
+            </a:custGeom>
+            <a:solidFill>
+              <a:srgbClr val="FFFEFE"/>
+            </a:solidFill>
+            <a:ln w="9525" cap="sq">
+              <a:solidFill>
+                <a:srgbClr val="FD6220"/>
+              </a:solidFill>
+              <a:prstDash val="solid"/>
+              <a:miter/>
+            </a:ln>
+          </p:spPr>
+        </p:sp>
+        <p:sp>
+          <p:nvSpPr>
+            <p:cNvPr name="TextBox 24" id="24"/>
+            <p:cNvSpPr txBox="true"/>
+            <p:nvPr/>
+          </p:nvSpPr>
+          <p:spPr>
+            <a:xfrm>
+              <a:off x="76200" y="52970"/>
+              <a:ext cx="660400" cy="735303"/>
+            </a:xfrm>
+            <a:prstGeom prst="rect">
+              <a:avLst/>
+            </a:prstGeom>
+          </p:spPr>
+          <p:txBody>
+            <a:bodyPr anchor="ctr" rtlCol="false" tIns="50800" lIns="50800" bIns="50800" rIns="50800"/>
+            <a:lstStyle/>
+            <a:p>
+              <a:pPr algn="ctr">
+                <a:lnSpc>
+                  <a:spcPts val="2380"/>
+                </a:lnSpc>
+                <a:spcBef>
+                  <a:spcPct val="0"/>
+                </a:spcBef>
+              </a:pPr>
+              <a:r>
+                <a:rPr lang="en-US" sz="1700">
+                  <a:solidFill>
+                    <a:srgbClr val="191919"/>
+                  </a:solidFill>
+                  <a:latin typeface="Gotham"/>
+                </a:rPr>
+                <a:t>2</a:t>
+              </a:r>
+            </a:p>
+          </p:txBody>
+        </p:sp>
+      </p:grpSp>
+      <p:sp>
+        <p:nvSpPr>
+          <p:cNvPr name="TextBox 25" id="25"/>
+          <p:cNvSpPr txBox="true"/>
+          <p:nvPr/>
+        </p:nvSpPr>
+        <p:spPr>
+          <a:xfrm rot="0">
+            <a:off x="2581511" y="6736080"/>
+            <a:ext cx="5675380" cy="811530"/>
+          </a:xfrm>
+          <a:prstGeom prst="rect">
+            <a:avLst/>
+          </a:prstGeom>
+        </p:spPr>
+        <p:txBody>
+          <a:bodyPr anchor="t" rtlCol="false" tIns="0" lIns="0" bIns="0" rIns="0">
+            <a:spAutoFit/>
+          </a:bodyPr>
+          <a:lstStyle/>
+          <a:p>
+            <a:pPr>
+              <a:lnSpc>
+                <a:spcPts val="3239"/>
+              </a:lnSpc>
+            </a:pPr>
+            <a:r>
+              <a:rPr lang="en-US" sz="2399" spc="59">
+                <a:solidFill>
+                  <a:srgbClr val="191919"/>
+                </a:solidFill>
+                <a:ea typeface="Gotham"/>
+              </a:rPr>
+              <a:t>・「スタートに戻る」ボタンを押すと、</a:t>
+            </a:r>
+          </a:p>
+          <a:p>
+            <a:pPr algn="l" marL="0" indent="0" lvl="0">
+              <a:lnSpc>
+                <a:spcPts val="3239"/>
+              </a:lnSpc>
+              <a:spcBef>
+                <a:spcPct val="0"/>
+              </a:spcBef>
+            </a:pPr>
+            <a:r>
+              <a:rPr lang="en-US" sz="2399" spc="59">
+                <a:solidFill>
+                  <a:srgbClr val="191919"/>
+                </a:solidFill>
+                <a:ea typeface="Gotham"/>
+              </a:rPr>
+              <a:t>　①スタートページに遷移する</a:t>
+            </a:r>
+          </a:p>
+        </p:txBody>
+      </p:sp>
+    </p:spTree>
+  </p:cSld>
+  <p:clrMapOvr>
+    <a:masterClrMapping/>
+  </p:clrMapOvr>
+</p:sld>
+</file>
+
+<file path=ppt/slides/slide7.xml><?xml version="1.0" encoding="utf-8"?>
+<p:sld xmlns:p="http://schemas.openxmlformats.org/presentationml/2006/main" xmlns:a="http://schemas.openxmlformats.org/drawingml/2006/main" xmlns:r="http://schemas.openxmlformats.org/officeDocument/2006/relationships">
+  <p:cSld>
+    <p:bg>
+      <p:bgPr>
+        <a:solidFill>
+          <a:srgbClr val="FFFFFE"/>
+        </a:solidFill>
+      </p:bgPr>
+    </p:bg>
+    <p:spTree>
+      <p:nvGrpSpPr>
+        <p:cNvPr id="1" name=""/>
+        <p:cNvGrpSpPr/>
+        <p:nvPr/>
+      </p:nvGrpSpPr>
+      <p:grpSpPr>
+        <a:xfrm>
+          <a:off x="0" y="0"/>
+          <a:ext cx="0" cy="0"/>
+          <a:chOff x="0" y="0"/>
+          <a:chExt cx="0" cy="0"/>
+        </a:xfrm>
+      </p:grpSpPr>
+      <p:grpSp>
+        <p:nvGrpSpPr>
+          <p:cNvPr name="Group 2" id="2"/>
+          <p:cNvGrpSpPr/>
+          <p:nvPr/>
+        </p:nvGrpSpPr>
+        <p:grpSpPr>
+          <a:xfrm rot="0">
+            <a:off x="10882580" y="-3503638"/>
+            <a:ext cx="12753441" cy="12753441"/>
+            <a:chOff x="0" y="0"/>
+            <a:chExt cx="812800" cy="812800"/>
+          </a:xfrm>
+        </p:grpSpPr>
+        <p:sp>
+          <p:nvSpPr>
+            <p:cNvPr name="Freeform 3" id="3"/>
+            <p:cNvSpPr/>
+            <p:nvPr/>
+          </p:nvSpPr>
+          <p:spPr>
+            <a:xfrm flipH="false" flipV="false" rot="0">
+              <a:off x="0" y="0"/>
+              <a:ext cx="812800" cy="812800"/>
+            </a:xfrm>
+            <a:custGeom>
+              <a:avLst/>
+              <a:gdLst/>
+              <a:ahLst/>
+              <a:cxnLst/>
+              <a:rect r="r" b="b" t="t" l="l"/>
+              <a:pathLst>
+                <a:path h="812800" w="812800">
+                  <a:moveTo>
+                    <a:pt x="406400" y="0"/>
+                  </a:moveTo>
+                  <a:cubicBezTo>
+                    <a:pt x="181951" y="0"/>
+                    <a:pt x="0" y="181951"/>
+                    <a:pt x="0" y="406400"/>
+                  </a:cubicBezTo>
+                  <a:cubicBezTo>
+                    <a:pt x="0" y="630849"/>
+                    <a:pt x="181951" y="812800"/>
+                    <a:pt x="406400" y="812800"/>
+                  </a:cubicBezTo>
+                  <a:cubicBezTo>
+                    <a:pt x="630849" y="812800"/>
+                    <a:pt x="812800" y="630849"/>
+                    <a:pt x="812800" y="406400"/>
+                  </a:cubicBezTo>
+                  <a:cubicBezTo>
+                    <a:pt x="812800" y="181951"/>
+                    <a:pt x="630849" y="0"/>
+                    <a:pt x="406400" y="0"/>
+                  </a:cubicBezTo>
+                  <a:close/>
+                </a:path>
+              </a:pathLst>
+            </a:custGeom>
+            <a:solidFill>
+              <a:srgbClr val="000000">
+                <a:alpha val="0"/>
+              </a:srgbClr>
+            </a:solidFill>
+            <a:ln w="361950" cap="sq">
+              <a:solidFill>
+                <a:srgbClr val="FD6220">
+                  <a:alpha val="25882"/>
+                </a:srgbClr>
+              </a:solidFill>
+              <a:prstDash val="solid"/>
+              <a:miter/>
+            </a:ln>
+          </p:spPr>
+        </p:sp>
+        <p:sp>
+          <p:nvSpPr>
+            <p:cNvPr name="TextBox 4" id="4"/>
+            <p:cNvSpPr txBox="true"/>
+            <p:nvPr/>
+          </p:nvSpPr>
+          <p:spPr>
+            <a:xfrm>
+              <a:off x="76200" y="47625"/>
+              <a:ext cx="660400" cy="688975"/>
+            </a:xfrm>
+            <a:prstGeom prst="rect">
+              <a:avLst/>
+            </a:prstGeom>
+          </p:spPr>
+          <p:txBody>
+            <a:bodyPr anchor="ctr" rtlCol="false" tIns="50800" lIns="50800" bIns="50800" rIns="50800"/>
+            <a:lstStyle/>
+            <a:p>
+              <a:pPr algn="ctr">
+                <a:lnSpc>
+                  <a:spcPts val="2659"/>
+                </a:lnSpc>
+              </a:pPr>
+            </a:p>
+          </p:txBody>
+        </p:sp>
+      </p:grpSp>
+      <p:grpSp>
+        <p:nvGrpSpPr>
+          <p:cNvPr name="Group 5" id="5"/>
+          <p:cNvGrpSpPr/>
+          <p:nvPr/>
+        </p:nvGrpSpPr>
+        <p:grpSpPr>
+          <a:xfrm rot="0">
+            <a:off x="-1373119" y="-1315898"/>
+            <a:ext cx="3499668" cy="13405540"/>
+            <a:chOff x="0" y="0"/>
+            <a:chExt cx="212191" cy="812800"/>
+          </a:xfrm>
+        </p:grpSpPr>
+        <p:sp>
+          <p:nvSpPr>
+            <p:cNvPr name="Freeform 6" id="6"/>
+            <p:cNvSpPr/>
+            <p:nvPr/>
+          </p:nvSpPr>
+          <p:spPr>
+            <a:xfrm flipH="false" flipV="false" rot="0">
+              <a:off x="0" y="0"/>
+              <a:ext cx="212191" cy="812800"/>
+            </a:xfrm>
+            <a:custGeom>
+              <a:avLst/>
+              <a:gdLst/>
+              <a:ahLst/>
+              <a:cxnLst/>
+              <a:rect r="r" b="b" t="t" l="l"/>
+              <a:pathLst>
+                <a:path h="812800" w="212191">
+                  <a:moveTo>
+                    <a:pt x="106095" y="0"/>
+                  </a:moveTo>
+                  <a:cubicBezTo>
+                    <a:pt x="47500" y="0"/>
+                    <a:pt x="0" y="181951"/>
+                    <a:pt x="0" y="406400"/>
+                  </a:cubicBezTo>
+                  <a:cubicBezTo>
+                    <a:pt x="0" y="630849"/>
+                    <a:pt x="47500" y="812800"/>
+                    <a:pt x="106095" y="812800"/>
+                  </a:cubicBezTo>
+                  <a:cubicBezTo>
+                    <a:pt x="164690" y="812800"/>
+                    <a:pt x="212191" y="630849"/>
+                    <a:pt x="212191" y="406400"/>
+                  </a:cubicBezTo>
+                  <a:cubicBezTo>
+                    <a:pt x="212191" y="181951"/>
+                    <a:pt x="164690" y="0"/>
+                    <a:pt x="106095" y="0"/>
+                  </a:cubicBezTo>
+                  <a:close/>
+                </a:path>
+              </a:pathLst>
+            </a:custGeom>
+            <a:solidFill>
+              <a:srgbClr val="000000">
+                <a:alpha val="0"/>
+              </a:srgbClr>
+            </a:solidFill>
+            <a:ln w="19050" cap="sq">
+              <a:solidFill>
+                <a:srgbClr val="F9232C"/>
+              </a:solidFill>
+              <a:prstDash val="solid"/>
+              <a:miter/>
+            </a:ln>
+          </p:spPr>
+        </p:sp>
+        <p:sp>
+          <p:nvSpPr>
+            <p:cNvPr name="TextBox 7" id="7"/>
+            <p:cNvSpPr txBox="true"/>
+            <p:nvPr/>
+          </p:nvSpPr>
+          <p:spPr>
+            <a:xfrm>
+              <a:off x="19893" y="47625"/>
+              <a:ext cx="172405" cy="688975"/>
+            </a:xfrm>
+            <a:prstGeom prst="rect">
+              <a:avLst/>
+            </a:prstGeom>
+          </p:spPr>
+          <p:txBody>
+            <a:bodyPr anchor="ctr" rtlCol="false" tIns="50800" lIns="50800" bIns="50800" rIns="50800"/>
+            <a:lstStyle/>
+            <a:p>
+              <a:pPr algn="ctr">
+                <a:lnSpc>
+                  <a:spcPts val="2659"/>
+                </a:lnSpc>
+              </a:pPr>
+            </a:p>
+          </p:txBody>
+        </p:sp>
+      </p:grpSp>
+      <p:sp>
+        <p:nvSpPr>
+          <p:cNvPr name="Freeform 8" id="8"/>
+          <p:cNvSpPr/>
+          <p:nvPr/>
+        </p:nvSpPr>
+        <p:spPr>
+          <a:xfrm flipH="false" flipV="false" rot="0">
+            <a:off x="16313420" y="910465"/>
+            <a:ext cx="945880" cy="236470"/>
+          </a:xfrm>
+          <a:custGeom>
+            <a:avLst/>
+            <a:gdLst/>
+            <a:ahLst/>
+            <a:cxnLst/>
+            <a:rect r="r" b="b" t="t" l="l"/>
+            <a:pathLst>
+              <a:path h="236470" w="945880">
+                <a:moveTo>
+                  <a:pt x="0" y="0"/>
+                </a:moveTo>
+                <a:lnTo>
+                  <a:pt x="945880" y="0"/>
+                </a:lnTo>
+                <a:lnTo>
+                  <a:pt x="945880" y="236470"/>
+                </a:lnTo>
+                <a:lnTo>
+                  <a:pt x="0" y="236470"/>
+                </a:lnTo>
+                <a:lnTo>
+                  <a:pt x="0" y="0"/>
+                </a:lnTo>
+                <a:close/>
+              </a:path>
+            </a:pathLst>
+          </a:custGeom>
+          <a:blipFill>
+            <a:blip r:embed="rId2">
+              <a:extLst>
+                <a:ext uri="{96DAC541-7B7A-43D3-8B79-37D633B846F1}">
+                  <asvg:svgBlip xmlns:asvg="http://schemas.microsoft.com/office/drawing/2016/SVG/main" r:embed="rId3"/>
+                </a:ext>
+              </a:extLst>
+            </a:blip>
+            <a:stretch>
+              <a:fillRect l="0" t="0" r="0" b="0"/>
+            </a:stretch>
+          </a:blipFill>
+        </p:spPr>
+      </p:sp>
+      <p:grpSp>
+        <p:nvGrpSpPr>
+          <p:cNvPr name="Group 9" id="9"/>
+          <p:cNvGrpSpPr/>
+          <p:nvPr/>
+        </p:nvGrpSpPr>
+        <p:grpSpPr>
+          <a:xfrm rot="0">
+            <a:off x="951509" y="1980481"/>
+            <a:ext cx="508158" cy="543805"/>
+            <a:chOff x="0" y="0"/>
+            <a:chExt cx="812800" cy="869819"/>
+          </a:xfrm>
+        </p:grpSpPr>
+        <p:sp>
+          <p:nvSpPr>
+            <p:cNvPr name="Freeform 10" id="10"/>
+            <p:cNvSpPr/>
+            <p:nvPr/>
+          </p:nvSpPr>
+          <p:spPr>
+            <a:xfrm flipH="false" flipV="false" rot="0">
+              <a:off x="0" y="0"/>
+              <a:ext cx="812800" cy="869819"/>
+            </a:xfrm>
+            <a:custGeom>
+              <a:avLst/>
+              <a:gdLst/>
+              <a:ahLst/>
+              <a:cxnLst/>
+              <a:rect r="r" b="b" t="t" l="l"/>
+              <a:pathLst>
+                <a:path h="869819" w="812800">
+                  <a:moveTo>
+                    <a:pt x="406400" y="0"/>
+                  </a:moveTo>
+                  <a:cubicBezTo>
+                    <a:pt x="181951" y="0"/>
+                    <a:pt x="0" y="194716"/>
+                    <a:pt x="0" y="434909"/>
+                  </a:cubicBezTo>
+                  <a:cubicBezTo>
+                    <a:pt x="0" y="675103"/>
+                    <a:pt x="181951" y="869819"/>
+                    <a:pt x="406400" y="869819"/>
+                  </a:cubicBezTo>
+                  <a:cubicBezTo>
+                    <a:pt x="630849" y="869819"/>
+                    <a:pt x="812800" y="675103"/>
+                    <a:pt x="812800" y="434909"/>
+                  </a:cubicBezTo>
+                  <a:cubicBezTo>
+                    <a:pt x="812800" y="194716"/>
+                    <a:pt x="630849" y="0"/>
+                    <a:pt x="406400" y="0"/>
+                  </a:cubicBezTo>
+                  <a:close/>
+                </a:path>
+              </a:pathLst>
+            </a:custGeom>
+            <a:solidFill>
+              <a:srgbClr val="FFFEFE"/>
+            </a:solidFill>
+            <a:ln w="9525" cap="sq">
+              <a:solidFill>
+                <a:srgbClr val="FD6220"/>
+              </a:solidFill>
+              <a:prstDash val="solid"/>
+              <a:miter/>
+            </a:ln>
+          </p:spPr>
+        </p:sp>
+        <p:sp>
+          <p:nvSpPr>
+            <p:cNvPr name="TextBox 11" id="11"/>
+            <p:cNvSpPr txBox="true"/>
+            <p:nvPr/>
+          </p:nvSpPr>
+          <p:spPr>
+            <a:xfrm>
+              <a:off x="76200" y="52970"/>
+              <a:ext cx="660400" cy="735303"/>
+            </a:xfrm>
+            <a:prstGeom prst="rect">
+              <a:avLst/>
+            </a:prstGeom>
+          </p:spPr>
+          <p:txBody>
+            <a:bodyPr anchor="ctr" rtlCol="false" tIns="50800" lIns="50800" bIns="50800" rIns="50800"/>
+            <a:lstStyle/>
+            <a:p>
+              <a:pPr algn="ctr">
+                <a:lnSpc>
+                  <a:spcPts val="2380"/>
+                </a:lnSpc>
+                <a:spcBef>
+                  <a:spcPct val="0"/>
+                </a:spcBef>
+              </a:pPr>
+              <a:r>
+                <a:rPr lang="en-US" sz="1700">
+                  <a:solidFill>
+                    <a:srgbClr val="191919"/>
+                  </a:solidFill>
+                  <a:latin typeface="Gotham"/>
+                </a:rPr>
+                <a:t>1</a:t>
+              </a:r>
+            </a:p>
+          </p:txBody>
+        </p:sp>
+      </p:grpSp>
+      <p:grpSp>
+        <p:nvGrpSpPr>
+          <p:cNvPr name="Group 12" id="12"/>
+          <p:cNvGrpSpPr/>
+          <p:nvPr/>
+        </p:nvGrpSpPr>
+        <p:grpSpPr>
+          <a:xfrm rot="0">
+            <a:off x="951509" y="2648112"/>
+            <a:ext cx="508158" cy="543805"/>
+            <a:chOff x="0" y="0"/>
+            <a:chExt cx="812800" cy="869819"/>
+          </a:xfrm>
+        </p:grpSpPr>
+        <p:sp>
+          <p:nvSpPr>
+            <p:cNvPr name="Freeform 13" id="13"/>
+            <p:cNvSpPr/>
+            <p:nvPr/>
+          </p:nvSpPr>
+          <p:spPr>
+            <a:xfrm flipH="false" flipV="false" rot="0">
+              <a:off x="0" y="0"/>
+              <a:ext cx="812800" cy="869819"/>
+            </a:xfrm>
+            <a:custGeom>
+              <a:avLst/>
+              <a:gdLst/>
+              <a:ahLst/>
+              <a:cxnLst/>
+              <a:rect r="r" b="b" t="t" l="l"/>
+              <a:pathLst>
+                <a:path h="869819" w="812800">
+                  <a:moveTo>
+                    <a:pt x="406400" y="0"/>
+                  </a:moveTo>
+                  <a:cubicBezTo>
+                    <a:pt x="181951" y="0"/>
+                    <a:pt x="0" y="194716"/>
+                    <a:pt x="0" y="434909"/>
+                  </a:cubicBezTo>
+                  <a:cubicBezTo>
+                    <a:pt x="0" y="675103"/>
+                    <a:pt x="181951" y="869819"/>
+                    <a:pt x="406400" y="869819"/>
+                  </a:cubicBezTo>
+                  <a:cubicBezTo>
+                    <a:pt x="630849" y="869819"/>
+                    <a:pt x="812800" y="675103"/>
+                    <a:pt x="812800" y="434909"/>
+                  </a:cubicBezTo>
+                  <a:cubicBezTo>
+                    <a:pt x="812800" y="194716"/>
+                    <a:pt x="630849" y="0"/>
+                    <a:pt x="406400" y="0"/>
+                  </a:cubicBezTo>
+                  <a:close/>
+                </a:path>
+              </a:pathLst>
+            </a:custGeom>
+            <a:solidFill>
+              <a:srgbClr val="FFFEFE"/>
+            </a:solidFill>
+            <a:ln w="9525" cap="sq">
+              <a:solidFill>
+                <a:srgbClr val="FD6220"/>
+              </a:solidFill>
+              <a:prstDash val="solid"/>
+              <a:miter/>
+            </a:ln>
+          </p:spPr>
+        </p:sp>
+        <p:sp>
+          <p:nvSpPr>
+            <p:cNvPr name="TextBox 14" id="14"/>
+            <p:cNvSpPr txBox="true"/>
+            <p:nvPr/>
+          </p:nvSpPr>
+          <p:spPr>
+            <a:xfrm>
+              <a:off x="76200" y="52970"/>
+              <a:ext cx="660400" cy="735303"/>
+            </a:xfrm>
+            <a:prstGeom prst="rect">
+              <a:avLst/>
+            </a:prstGeom>
+          </p:spPr>
+          <p:txBody>
+            <a:bodyPr anchor="ctr" rtlCol="false" tIns="50800" lIns="50800" bIns="50800" rIns="50800"/>
+            <a:lstStyle/>
+            <a:p>
+              <a:pPr algn="ctr">
+                <a:lnSpc>
+                  <a:spcPts val="2380"/>
+                </a:lnSpc>
+                <a:spcBef>
+                  <a:spcPct val="0"/>
+                </a:spcBef>
+              </a:pPr>
+              <a:r>
+                <a:rPr lang="en-US" sz="1700">
+                  <a:solidFill>
+                    <a:srgbClr val="191919"/>
+                  </a:solidFill>
+                  <a:latin typeface="Gotham"/>
+                </a:rPr>
+                <a:t>2</a:t>
+              </a:r>
+            </a:p>
+          </p:txBody>
+        </p:sp>
+      </p:grpSp>
+      <p:sp>
+        <p:nvSpPr>
+          <p:cNvPr name="Freeform 15" id="15"/>
+          <p:cNvSpPr/>
+          <p:nvPr/>
+        </p:nvSpPr>
+        <p:spPr>
+          <a:xfrm flipH="false" flipV="false" rot="0">
+            <a:off x="9513847" y="2183272"/>
+            <a:ext cx="7854393" cy="7467318"/>
+          </a:xfrm>
+          <a:custGeom>
+            <a:avLst/>
+            <a:gdLst/>
+            <a:ahLst/>
+            <a:cxnLst/>
+            <a:rect r="r" b="b" t="t" l="l"/>
+            <a:pathLst>
+              <a:path h="7467318" w="7854393">
+                <a:moveTo>
+                  <a:pt x="0" y="0"/>
+                </a:moveTo>
+                <a:lnTo>
+                  <a:pt x="7854393" y="0"/>
+                </a:lnTo>
+                <a:lnTo>
+                  <a:pt x="7854393" y="7467317"/>
+                </a:lnTo>
+                <a:lnTo>
+                  <a:pt x="0" y="7467317"/>
+                </a:lnTo>
+                <a:lnTo>
+                  <a:pt x="0" y="0"/>
+                </a:lnTo>
+                <a:close/>
+              </a:path>
+            </a:pathLst>
+          </a:custGeom>
+          <a:blipFill>
+            <a:blip r:embed="rId4"/>
+            <a:stretch>
+              <a:fillRect l="0" t="0" r="0" b="0"/>
+            </a:stretch>
+          </a:blipFill>
+        </p:spPr>
+      </p:sp>
+      <p:sp>
+        <p:nvSpPr>
+          <p:cNvPr name="TextBox 16" id="16"/>
+          <p:cNvSpPr txBox="true"/>
+          <p:nvPr/>
+        </p:nvSpPr>
+        <p:spPr>
+          <a:xfrm rot="0">
+            <a:off x="2454458" y="923925"/>
+            <a:ext cx="13695960" cy="887824"/>
+          </a:xfrm>
+          <a:prstGeom prst="rect">
+            <a:avLst/>
+          </a:prstGeom>
+        </p:spPr>
+        <p:txBody>
+          <a:bodyPr anchor="t" rtlCol="false" tIns="0" lIns="0" bIns="0" rIns="0">
+            <a:spAutoFit/>
+          </a:bodyPr>
+          <a:lstStyle/>
+          <a:p>
+            <a:pPr>
+              <a:lnSpc>
+                <a:spcPts val="7239"/>
+              </a:lnSpc>
+            </a:pPr>
+            <a:r>
+              <a:rPr lang="en-US" sz="5171">
+                <a:solidFill>
+                  <a:srgbClr val="191919"/>
+                </a:solidFill>
+                <a:latin typeface="Gotham Bold"/>
+                <a:ea typeface="Gotham Bold"/>
+              </a:rPr>
+              <a:t>④結果一覧ページ（ResultListPage.dart）</a:t>
+            </a:r>
+          </a:p>
+        </p:txBody>
+      </p:sp>
+      <p:sp>
+        <p:nvSpPr>
+          <p:cNvPr name="TextBox 17" id="17"/>
+          <p:cNvSpPr txBox="true"/>
+          <p:nvPr/>
+        </p:nvSpPr>
+        <p:spPr>
+          <a:xfrm rot="0">
+            <a:off x="2581511" y="4757269"/>
+            <a:ext cx="5675380" cy="1221105"/>
+          </a:xfrm>
+          <a:prstGeom prst="rect">
+            <a:avLst/>
+          </a:prstGeom>
+        </p:spPr>
+        <p:txBody>
+          <a:bodyPr anchor="t" rtlCol="false" tIns="0" lIns="0" bIns="0" rIns="0">
+            <a:spAutoFit/>
+          </a:bodyPr>
+          <a:lstStyle/>
+          <a:p>
+            <a:pPr>
+              <a:lnSpc>
+                <a:spcPts val="3239"/>
+              </a:lnSpc>
+            </a:pPr>
+            <a:r>
+              <a:rPr lang="en-US" sz="2399" spc="59">
+                <a:solidFill>
+                  <a:srgbClr val="191919"/>
+                </a:solidFill>
+                <a:ea typeface="Gotham"/>
+              </a:rPr>
+              <a:t>・「スタートに戻る」ボタンを押すと、</a:t>
+            </a:r>
+          </a:p>
+          <a:p>
+            <a:pPr>
+              <a:lnSpc>
+                <a:spcPts val="3239"/>
+              </a:lnSpc>
+            </a:pPr>
+            <a:r>
+              <a:rPr lang="en-US" sz="2399" spc="59">
+                <a:solidFill>
+                  <a:srgbClr val="191919"/>
+                </a:solidFill>
+                <a:ea typeface="Gotham"/>
+              </a:rPr>
+              <a:t>　①スタートページに遷移する</a:t>
+            </a:r>
+          </a:p>
+          <a:p>
+            <a:pPr algn="l" marL="0" indent="0" lvl="0">
+              <a:lnSpc>
+                <a:spcPts val="3239"/>
+              </a:lnSpc>
+              <a:spcBef>
+                <a:spcPct val="0"/>
+              </a:spcBef>
+            </a:pPr>
+          </a:p>
+        </p:txBody>
+      </p:sp>
+      <p:sp>
+        <p:nvSpPr>
+          <p:cNvPr name="TextBox 18" id="18"/>
+          <p:cNvSpPr txBox="true"/>
+          <p:nvPr/>
+        </p:nvSpPr>
+        <p:spPr>
+          <a:xfrm rot="0">
+            <a:off x="2581511" y="3069262"/>
+            <a:ext cx="5675380" cy="811530"/>
+          </a:xfrm>
+          <a:prstGeom prst="rect">
+            <a:avLst/>
+          </a:prstGeom>
+        </p:spPr>
+        <p:txBody>
+          <a:bodyPr anchor="t" rtlCol="false" tIns="0" lIns="0" bIns="0" rIns="0">
+            <a:spAutoFit/>
+          </a:bodyPr>
+          <a:lstStyle/>
+          <a:p>
+            <a:pPr>
+              <a:lnSpc>
+                <a:spcPts val="3239"/>
+              </a:lnSpc>
+            </a:pPr>
+            <a:r>
+              <a:rPr lang="en-US" sz="2399" spc="59">
+                <a:solidFill>
+                  <a:srgbClr val="191919"/>
+                </a:solidFill>
+                <a:ea typeface="Gotham"/>
+              </a:rPr>
+              <a:t>・全ての性格タイプの一覧が表示される</a:t>
+            </a:r>
+          </a:p>
+          <a:p>
+            <a:pPr algn="l" marL="0" indent="0" lvl="0">
+              <a:lnSpc>
+                <a:spcPts val="3239"/>
+              </a:lnSpc>
+              <a:spcBef>
+                <a:spcPct val="0"/>
+              </a:spcBef>
+            </a:pPr>
+            <a:r>
+              <a:rPr lang="en-US" sz="2399" spc="59">
+                <a:solidFill>
+                  <a:srgbClr val="191919"/>
+                </a:solidFill>
+                <a:ea typeface="Gotham"/>
+              </a:rPr>
+              <a:t>（未実装）</a:t>
+            </a:r>
+          </a:p>
+        </p:txBody>
+      </p:sp>
+      <p:grpSp>
+        <p:nvGrpSpPr>
+          <p:cNvPr name="Group 19" id="19"/>
+          <p:cNvGrpSpPr/>
+          <p:nvPr/>
+        </p:nvGrpSpPr>
+        <p:grpSpPr>
+          <a:xfrm rot="0">
+            <a:off x="709357" y="3983373"/>
+            <a:ext cx="992463" cy="992463"/>
+            <a:chOff x="0" y="0"/>
+            <a:chExt cx="812800" cy="812800"/>
+          </a:xfrm>
+        </p:grpSpPr>
+        <p:sp>
+          <p:nvSpPr>
+            <p:cNvPr name="Freeform 20" id="20"/>
+            <p:cNvSpPr/>
+            <p:nvPr/>
+          </p:nvSpPr>
+          <p:spPr>
+            <a:xfrm flipH="false" flipV="false" rot="0">
+              <a:off x="0" y="0"/>
+              <a:ext cx="812800" cy="812800"/>
+            </a:xfrm>
+            <a:custGeom>
+              <a:avLst/>
+              <a:gdLst/>
+              <a:ahLst/>
+              <a:cxnLst/>
+              <a:rect r="r" b="b" t="t" l="l"/>
+              <a:pathLst>
+                <a:path h="812800" w="812800">
+                  <a:moveTo>
+                    <a:pt x="406400" y="0"/>
+                  </a:moveTo>
+                  <a:cubicBezTo>
+                    <a:pt x="181951" y="0"/>
+                    <a:pt x="0" y="181951"/>
+                    <a:pt x="0" y="406400"/>
+                  </a:cubicBezTo>
+                  <a:cubicBezTo>
+                    <a:pt x="0" y="630849"/>
+                    <a:pt x="181951" y="812800"/>
+                    <a:pt x="406400" y="812800"/>
+                  </a:cubicBezTo>
+                  <a:cubicBezTo>
+                    <a:pt x="630849" y="812800"/>
+                    <a:pt x="812800" y="630849"/>
+                    <a:pt x="812800" y="406400"/>
+                  </a:cubicBezTo>
+                  <a:cubicBezTo>
+                    <a:pt x="812800" y="181951"/>
+                    <a:pt x="630849" y="0"/>
+                    <a:pt x="406400" y="0"/>
+                  </a:cubicBezTo>
+                  <a:close/>
+                </a:path>
+              </a:pathLst>
+            </a:custGeom>
+            <a:solidFill>
+              <a:srgbClr val="FD6220"/>
+            </a:solidFill>
+          </p:spPr>
+        </p:sp>
+        <p:sp>
+          <p:nvSpPr>
+            <p:cNvPr name="TextBox 21" id="21"/>
+            <p:cNvSpPr txBox="true"/>
+            <p:nvPr/>
+          </p:nvSpPr>
+          <p:spPr>
+            <a:xfrm>
+              <a:off x="76200" y="19050"/>
+              <a:ext cx="660400" cy="717550"/>
+            </a:xfrm>
+            <a:prstGeom prst="rect">
+              <a:avLst/>
+            </a:prstGeom>
+          </p:spPr>
+          <p:txBody>
+            <a:bodyPr anchor="ctr" rtlCol="false" tIns="50800" lIns="50800" bIns="50800" rIns="50800"/>
+            <a:lstStyle/>
+            <a:p>
+              <a:pPr algn="ctr">
+                <a:lnSpc>
+                  <a:spcPts val="3779"/>
+                </a:lnSpc>
+                <a:spcBef>
+                  <a:spcPct val="0"/>
+                </a:spcBef>
+              </a:pPr>
+              <a:r>
+                <a:rPr lang="en-US" sz="2699">
+                  <a:solidFill>
+                    <a:srgbClr val="FFFEFE"/>
+                  </a:solidFill>
+                  <a:latin typeface="Gotham"/>
+                </a:rPr>
+                <a:t>4</a:t>
+              </a:r>
+            </a:p>
+          </p:txBody>
+        </p:sp>
+      </p:grpSp>
+      <p:grpSp>
+        <p:nvGrpSpPr>
+          <p:cNvPr name="Group 22" id="22"/>
+          <p:cNvGrpSpPr/>
+          <p:nvPr/>
+        </p:nvGrpSpPr>
+        <p:grpSpPr>
+          <a:xfrm rot="0">
+            <a:off x="951509" y="3315742"/>
+            <a:ext cx="508158" cy="543805"/>
+            <a:chOff x="0" y="0"/>
+            <a:chExt cx="812800" cy="869819"/>
+          </a:xfrm>
+        </p:grpSpPr>
+        <p:sp>
+          <p:nvSpPr>
+            <p:cNvPr name="Freeform 23" id="23"/>
+            <p:cNvSpPr/>
+            <p:nvPr/>
+          </p:nvSpPr>
+          <p:spPr>
+            <a:xfrm flipH="false" flipV="false" rot="0">
+              <a:off x="0" y="0"/>
+              <a:ext cx="812800" cy="869819"/>
+            </a:xfrm>
+            <a:custGeom>
+              <a:avLst/>
+              <a:gdLst/>
+              <a:ahLst/>
+              <a:cxnLst/>
+              <a:rect r="r" b="b" t="t" l="l"/>
+              <a:pathLst>
+                <a:path h="869819" w="812800">
+                  <a:moveTo>
+                    <a:pt x="406400" y="0"/>
+                  </a:moveTo>
+                  <a:cubicBezTo>
+                    <a:pt x="181951" y="0"/>
+                    <a:pt x="0" y="194716"/>
+                    <a:pt x="0" y="434909"/>
+                  </a:cubicBezTo>
+                  <a:cubicBezTo>
+                    <a:pt x="0" y="675103"/>
+                    <a:pt x="181951" y="869819"/>
+                    <a:pt x="406400" y="869819"/>
+                  </a:cubicBezTo>
+                  <a:cubicBezTo>
+                    <a:pt x="630849" y="869819"/>
+                    <a:pt x="812800" y="675103"/>
+                    <a:pt x="812800" y="434909"/>
+                  </a:cubicBezTo>
+                  <a:cubicBezTo>
+                    <a:pt x="812800" y="194716"/>
+                    <a:pt x="630849" y="0"/>
+                    <a:pt x="406400" y="0"/>
+                  </a:cubicBezTo>
+                  <a:close/>
+                </a:path>
+              </a:pathLst>
+            </a:custGeom>
+            <a:solidFill>
+              <a:srgbClr val="FFFEFE"/>
+            </a:solidFill>
+            <a:ln w="9525" cap="sq">
+              <a:solidFill>
+                <a:srgbClr val="FD6220"/>
+              </a:solidFill>
+              <a:prstDash val="solid"/>
+              <a:miter/>
+            </a:ln>
+          </p:spPr>
+        </p:sp>
+        <p:sp>
+          <p:nvSpPr>
+            <p:cNvPr name="TextBox 24" id="24"/>
+            <p:cNvSpPr txBox="true"/>
+            <p:nvPr/>
+          </p:nvSpPr>
+          <p:spPr>
+            <a:xfrm>
+              <a:off x="76200" y="52970"/>
+              <a:ext cx="660400" cy="735303"/>
+            </a:xfrm>
+            <a:prstGeom prst="rect">
+              <a:avLst/>
+            </a:prstGeom>
+          </p:spPr>
+          <p:txBody>
+            <a:bodyPr anchor="ctr" rtlCol="false" tIns="50800" lIns="50800" bIns="50800" rIns="50800"/>
+            <a:lstStyle/>
+            <a:p>
+              <a:pPr algn="ctr">
+                <a:lnSpc>
+                  <a:spcPts val="2380"/>
+                </a:lnSpc>
+                <a:spcBef>
+                  <a:spcPct val="0"/>
+                </a:spcBef>
+              </a:pPr>
+              <a:r>
+                <a:rPr lang="en-US" sz="1700">
+                  <a:solidFill>
+                    <a:srgbClr val="191919"/>
+                  </a:solidFill>
+                  <a:latin typeface="Gotham"/>
+                </a:rPr>
+                <a:t>3</a:t>
+              </a:r>
+            </a:p>
+          </p:txBody>
+        </p:sp>
+      </p:grpSp>
     </p:spTree>
   </p:cSld>
   <p:clrMapOvr>
